--- a/doc/Mobile/Präsentation/Präsentation.pptx
+++ b/doc/Mobile/Präsentation/Präsentation.pptx
@@ -5,7 +5,7 @@
     <p:sldMasterId id="2147483648" r:id="rId1"/>
   </p:sldMasterIdLst>
   <p:handoutMasterIdLst>
-    <p:handoutMasterId r:id="rId19"/>
+    <p:handoutMasterId r:id="rId20"/>
   </p:handoutMasterIdLst>
   <p:sldIdLst>
     <p:sldId id="256" r:id="rId2"/>
@@ -24,7 +24,8 @@
     <p:sldId id="294" r:id="rId15"/>
     <p:sldId id="289" r:id="rId16"/>
     <p:sldId id="269" r:id="rId17"/>
-    <p:sldId id="272" r:id="rId18"/>
+    <p:sldId id="295" r:id="rId18"/>
+    <p:sldId id="272" r:id="rId19"/>
   </p:sldIdLst>
   <p:sldSz cx="12192000" cy="6858000"/>
   <p:notesSz cx="6858000" cy="9144000"/>
@@ -1171,7 +1172,7 @@
         <a:p>
           <a:r>
             <a:rPr lang="de-DE" dirty="0"/>
-            <a:t>21.11.2019 – 27.11.2019</a:t>
+            <a:t>14.11.2019 – 27.11.2019</a:t>
           </a:r>
         </a:p>
       </dgm:t>
@@ -1638,7 +1639,7 @@
           </a:pPr>
           <a:r>
             <a:rPr lang="de-DE" sz="1900" kern="1200" dirty="0"/>
-            <a:t>21.11.2019 – 27.11.2019</a:t>
+            <a:t>14.11.2019 – 27.11.2019</a:t>
           </a:r>
         </a:p>
       </dsp:txBody>
@@ -3923,7 +3924,7 @@
           <a:p>
             <a:fld id="{3E1C5564-F42A-4721-9AE0-8F6A5FCE9454}" type="datetimeFigureOut">
               <a:rPr lang="id-ID" smtClean="0"/>
-              <a:t>17/12/2019</a:t>
+              <a:t>18/12/2019</a:t>
             </a:fld>
             <a:endParaRPr lang="id-ID"/>
           </a:p>
@@ -4072,7 +4073,7 @@
           <a:p>
             <a:fld id="{8225A84C-7112-4E72-90D9-A21763DA4CC4}" type="datetimeFigureOut">
               <a:rPr lang="id-ID" smtClean="0"/>
-              <a:t>17/12/2019</a:t>
+              <a:t>18/12/2019</a:t>
             </a:fld>
             <a:endParaRPr lang="id-ID"/>
           </a:p>
@@ -4190,7 +4191,7 @@
           <a:p>
             <a:fld id="{8225A84C-7112-4E72-90D9-A21763DA4CC4}" type="datetimeFigureOut">
               <a:rPr lang="id-ID" smtClean="0"/>
-              <a:t>17/12/2019</a:t>
+              <a:t>18/12/2019</a:t>
             </a:fld>
             <a:endParaRPr lang="id-ID"/>
           </a:p>
@@ -4335,7 +4336,7 @@
           <a:p>
             <a:fld id="{8225A84C-7112-4E72-90D9-A21763DA4CC4}" type="datetimeFigureOut">
               <a:rPr lang="id-ID" smtClean="0"/>
-              <a:t>17/12/2019</a:t>
+              <a:t>18/12/2019</a:t>
             </a:fld>
             <a:endParaRPr lang="id-ID"/>
           </a:p>
@@ -4549,7 +4550,7 @@
           <a:p>
             <a:fld id="{8225A84C-7112-4E72-90D9-A21763DA4CC4}" type="datetimeFigureOut">
               <a:rPr lang="id-ID" smtClean="0"/>
-              <a:t>17/12/2019</a:t>
+              <a:t>18/12/2019</a:t>
             </a:fld>
             <a:endParaRPr lang="id-ID"/>
           </a:p>
@@ -4689,7 +4690,7 @@
           <a:p>
             <a:fld id="{8225A84C-7112-4E72-90D9-A21763DA4CC4}" type="datetimeFigureOut">
               <a:rPr lang="id-ID" smtClean="0"/>
-              <a:t>17/12/2019</a:t>
+              <a:t>18/12/2019</a:t>
             </a:fld>
             <a:endParaRPr lang="id-ID"/>
           </a:p>
@@ -4972,7 +4973,7 @@
           <a:p>
             <a:fld id="{8225A84C-7112-4E72-90D9-A21763DA4CC4}" type="datetimeFigureOut">
               <a:rPr lang="id-ID" smtClean="0"/>
-              <a:t>17/12/2019</a:t>
+              <a:t>18/12/2019</a:t>
             </a:fld>
             <a:endParaRPr lang="id-ID"/>
           </a:p>
@@ -5250,7 +5251,7 @@
           <a:p>
             <a:fld id="{8225A84C-7112-4E72-90D9-A21763DA4CC4}" type="datetimeFigureOut">
               <a:rPr lang="id-ID" smtClean="0"/>
-              <a:t>17/12/2019</a:t>
+              <a:t>18/12/2019</a:t>
             </a:fld>
             <a:endParaRPr lang="id-ID"/>
           </a:p>
@@ -5441,7 +5442,7 @@
           <a:p>
             <a:fld id="{8225A84C-7112-4E72-90D9-A21763DA4CC4}" type="datetimeFigureOut">
               <a:rPr lang="id-ID" smtClean="0"/>
-              <a:t>17/12/2019</a:t>
+              <a:t>18/12/2019</a:t>
             </a:fld>
             <a:endParaRPr lang="id-ID"/>
           </a:p>
@@ -5804,7 +5805,7 @@
           <a:p>
             <a:fld id="{8225A84C-7112-4E72-90D9-A21763DA4CC4}" type="datetimeFigureOut">
               <a:rPr lang="id-ID" smtClean="0"/>
-              <a:t>17/12/2019</a:t>
+              <a:t>18/12/2019</a:t>
             </a:fld>
             <a:endParaRPr lang="id-ID"/>
           </a:p>
@@ -5951,7 +5952,7 @@
           <a:p>
             <a:fld id="{8225A84C-7112-4E72-90D9-A21763DA4CC4}" type="datetimeFigureOut">
               <a:rPr lang="id-ID" smtClean="0"/>
-              <a:t>17/12/2019</a:t>
+              <a:t>18/12/2019</a:t>
             </a:fld>
             <a:endParaRPr lang="id-ID"/>
           </a:p>
@@ -6070,7 +6071,7 @@
           <a:p>
             <a:fld id="{8225A84C-7112-4E72-90D9-A21763DA4CC4}" type="datetimeFigureOut">
               <a:rPr lang="id-ID" smtClean="0"/>
-              <a:t>17/12/2019</a:t>
+              <a:t>18/12/2019</a:t>
             </a:fld>
             <a:endParaRPr lang="id-ID"/>
           </a:p>
@@ -6182,7 +6183,7 @@
           <a:p>
             <a:fld id="{8225A84C-7112-4E72-90D9-A21763DA4CC4}" type="datetimeFigureOut">
               <a:rPr lang="id-ID" smtClean="0"/>
-              <a:t>17/12/2019</a:t>
+              <a:t>18/12/2019</a:t>
             </a:fld>
             <a:endParaRPr lang="id-ID"/>
           </a:p>
@@ -6304,7 +6305,7 @@
           <a:p>
             <a:fld id="{8225A84C-7112-4E72-90D9-A21763DA4CC4}" type="datetimeFigureOut">
               <a:rPr lang="id-ID" smtClean="0"/>
-              <a:t>17/12/2019</a:t>
+              <a:t>18/12/2019</a:t>
             </a:fld>
             <a:endParaRPr lang="id-ID"/>
           </a:p>
@@ -6464,7 +6465,7 @@
           <a:p>
             <a:fld id="{8225A84C-7112-4E72-90D9-A21763DA4CC4}" type="datetimeFigureOut">
               <a:rPr lang="id-ID" smtClean="0"/>
-              <a:t>17/12/2019</a:t>
+              <a:t>18/12/2019</a:t>
             </a:fld>
             <a:endParaRPr lang="id-ID"/>
           </a:p>
@@ -6559,7 +6560,7 @@
           <a:p>
             <a:fld id="{8225A84C-7112-4E72-90D9-A21763DA4CC4}" type="datetimeFigureOut">
               <a:rPr lang="id-ID" smtClean="0"/>
-              <a:t>17/12/2019</a:t>
+              <a:t>18/12/2019</a:t>
             </a:fld>
             <a:endParaRPr lang="id-ID"/>
           </a:p>
@@ -6734,7 +6735,7 @@
           <a:p>
             <a:fld id="{8225A84C-7112-4E72-90D9-A21763DA4CC4}" type="datetimeFigureOut">
               <a:rPr lang="id-ID" smtClean="0"/>
-              <a:t>17/12/2019</a:t>
+              <a:t>18/12/2019</a:t>
             </a:fld>
             <a:endParaRPr lang="id-ID"/>
           </a:p>
@@ -6829,7 +6830,7 @@
           <a:p>
             <a:fld id="{8225A84C-7112-4E72-90D9-A21763DA4CC4}" type="datetimeFigureOut">
               <a:rPr lang="id-ID" smtClean="0"/>
-              <a:t>17/12/2019</a:t>
+              <a:t>18/12/2019</a:t>
             </a:fld>
             <a:endParaRPr lang="id-ID"/>
           </a:p>
@@ -7130,7 +7131,7 @@
           <a:p>
             <a:fld id="{8225A84C-7112-4E72-90D9-A21763DA4CC4}" type="datetimeFigureOut">
               <a:rPr lang="id-ID" smtClean="0"/>
-              <a:t>17/12/2019</a:t>
+              <a:t>18/12/2019</a:t>
             </a:fld>
             <a:endParaRPr lang="id-ID"/>
           </a:p>
@@ -7383,7 +7384,7 @@
           <a:p>
             <a:fld id="{8225A84C-7112-4E72-90D9-A21763DA4CC4}" type="datetimeFigureOut">
               <a:rPr lang="id-ID" smtClean="0"/>
-              <a:t>17/12/2019</a:t>
+              <a:t>18/12/2019</a:t>
             </a:fld>
             <a:endParaRPr lang="id-ID"/>
           </a:p>
@@ -7553,7 +7554,7 @@
           <a:p>
             <a:fld id="{8225A84C-7112-4E72-90D9-A21763DA4CC4}" type="datetimeFigureOut">
               <a:rPr lang="id-ID" smtClean="0"/>
-              <a:t>17/12/2019</a:t>
+              <a:t>18/12/2019</a:t>
             </a:fld>
             <a:endParaRPr lang="id-ID"/>
           </a:p>
@@ -7733,7 +7734,7 @@
           <a:p>
             <a:fld id="{8225A84C-7112-4E72-90D9-A21763DA4CC4}" type="datetimeFigureOut">
               <a:rPr lang="id-ID" smtClean="0"/>
-              <a:t>17/12/2019</a:t>
+              <a:t>18/12/2019</a:t>
             </a:fld>
             <a:endParaRPr lang="id-ID"/>
           </a:p>
@@ -7925,7 +7926,7 @@
           <a:p>
             <a:fld id="{8225A84C-7112-4E72-90D9-A21763DA4CC4}" type="datetimeFigureOut">
               <a:rPr lang="id-ID" smtClean="0"/>
-              <a:t>17/12/2019</a:t>
+              <a:t>18/12/2019</a:t>
             </a:fld>
             <a:endParaRPr lang="id-ID"/>
           </a:p>
@@ -8095,7 +8096,7 @@
           <a:p>
             <a:fld id="{8225A84C-7112-4E72-90D9-A21763DA4CC4}" type="datetimeFigureOut">
               <a:rPr lang="id-ID" smtClean="0"/>
-              <a:t>17/12/2019</a:t>
+              <a:t>18/12/2019</a:t>
             </a:fld>
             <a:endParaRPr lang="id-ID"/>
           </a:p>
@@ -8341,7 +8342,7 @@
           <a:p>
             <a:fld id="{8225A84C-7112-4E72-90D9-A21763DA4CC4}" type="datetimeFigureOut">
               <a:rPr lang="id-ID" smtClean="0"/>
-              <a:t>17/12/2019</a:t>
+              <a:t>18/12/2019</a:t>
             </a:fld>
             <a:endParaRPr lang="id-ID"/>
           </a:p>
@@ -8573,7 +8574,7 @@
           <a:p>
             <a:fld id="{8225A84C-7112-4E72-90D9-A21763DA4CC4}" type="datetimeFigureOut">
               <a:rPr lang="id-ID" smtClean="0"/>
-              <a:t>17/12/2019</a:t>
+              <a:t>18/12/2019</a:t>
             </a:fld>
             <a:endParaRPr lang="id-ID"/>
           </a:p>
@@ -8940,7 +8941,7 @@
           <a:p>
             <a:fld id="{8225A84C-7112-4E72-90D9-A21763DA4CC4}" type="datetimeFigureOut">
               <a:rPr lang="id-ID" smtClean="0"/>
-              <a:t>17/12/2019</a:t>
+              <a:t>18/12/2019</a:t>
             </a:fld>
             <a:endParaRPr lang="id-ID"/>
           </a:p>
@@ -9058,7 +9059,7 @@
           <a:p>
             <a:fld id="{8225A84C-7112-4E72-90D9-A21763DA4CC4}" type="datetimeFigureOut">
               <a:rPr lang="id-ID" smtClean="0"/>
-              <a:t>17/12/2019</a:t>
+              <a:t>18/12/2019</a:t>
             </a:fld>
             <a:endParaRPr lang="id-ID"/>
           </a:p>
@@ -9176,7 +9177,7 @@
           <a:p>
             <a:fld id="{8225A84C-7112-4E72-90D9-A21763DA4CC4}" type="datetimeFigureOut">
               <a:rPr lang="id-ID" smtClean="0"/>
-              <a:t>17/12/2019</a:t>
+              <a:t>18/12/2019</a:t>
             </a:fld>
             <a:endParaRPr lang="id-ID"/>
           </a:p>
@@ -9506,7 +9507,7 @@
           <a:p>
             <a:fld id="{8225A84C-7112-4E72-90D9-A21763DA4CC4}" type="datetimeFigureOut">
               <a:rPr lang="id-ID" smtClean="0"/>
-              <a:t>17/12/2019</a:t>
+              <a:t>18/12/2019</a:t>
             </a:fld>
             <a:endParaRPr lang="id-ID"/>
           </a:p>
@@ -10263,10 +10264,10 @@
         </p:nvGrpSpPr>
         <p:grpSpPr>
           <a:xfrm>
-            <a:off x="427705" y="1319910"/>
-            <a:ext cx="9862189" cy="822073"/>
+            <a:off x="427705" y="1554803"/>
+            <a:ext cx="9862189" cy="1680091"/>
             <a:chOff x="2865519" y="1767949"/>
-            <a:chExt cx="3722583" cy="841552"/>
+            <a:chExt cx="3722583" cy="810291"/>
           </a:xfrm>
         </p:grpSpPr>
         <p:sp>
@@ -10277,8 +10278,8 @@
           </p:nvSpPr>
           <p:spPr>
             <a:xfrm>
-              <a:off x="2869825" y="2136897"/>
-              <a:ext cx="3718277" cy="472604"/>
+              <a:off x="2869825" y="1999333"/>
+              <a:ext cx="3718277" cy="578907"/>
             </a:xfrm>
             <a:prstGeom prst="rect">
               <a:avLst/>
@@ -10291,12 +10292,34 @@
             </a:bodyPr>
             <a:lstStyle/>
             <a:p>
+              <a:pPr marL="342900" indent="-342900">
+                <a:buFont typeface="Arial" panose="020B0604020202020204" pitchFamily="34" charset="0"/>
+                <a:buChar char="•"/>
+              </a:pPr>
               <a:r>
-                <a:rPr lang="de-DE" sz="2400" dirty="0" err="1">
+                <a:rPr lang="de-DE" sz="2400" dirty="0">
                   <a:latin typeface="+mj-lt"/>
                 </a:rPr>
-                <a:t>bla</a:t>
+                <a:t>Auf jedem Screen vorhanden</a:t>
               </a:r>
+            </a:p>
+            <a:p>
+              <a:pPr marL="342900" indent="-342900">
+                <a:buFont typeface="Arial" panose="020B0604020202020204" pitchFamily="34" charset="0"/>
+                <a:buChar char="•"/>
+              </a:pPr>
+              <a:r>
+                <a:rPr lang="de-DE" sz="2400" dirty="0">
+                  <a:latin typeface="+mj-lt"/>
+                </a:rPr>
+                <a:t>Bildet Basis für App-Navigation</a:t>
+              </a:r>
+            </a:p>
+            <a:p>
+              <a:pPr marL="342900" indent="-342900">
+                <a:buFont typeface="Arial" panose="020B0604020202020204" pitchFamily="34" charset="0"/>
+                <a:buChar char="•"/>
+              </a:pPr>
               <a:endParaRPr lang="de-DE" sz="2400" dirty="0">
                 <a:latin typeface="+mj-lt"/>
               </a:endParaRPr>
@@ -10370,10 +10393,10 @@
         </p:nvGrpSpPr>
         <p:grpSpPr>
           <a:xfrm>
-            <a:off x="427706" y="3225259"/>
-            <a:ext cx="12755859" cy="801363"/>
-            <a:chOff x="2869825" y="1767699"/>
-            <a:chExt cx="3387056" cy="870952"/>
+            <a:off x="427706" y="3242036"/>
+            <a:ext cx="12755859" cy="2035194"/>
+            <a:chOff x="2869825" y="1767698"/>
+            <a:chExt cx="3387056" cy="2211926"/>
           </a:xfrm>
         </p:grpSpPr>
         <p:sp>
@@ -10384,8 +10407,8 @@
           </p:nvSpPr>
           <p:spPr>
             <a:xfrm>
-              <a:off x="2869825" y="2136896"/>
-              <a:ext cx="3387056" cy="501755"/>
+              <a:off x="2869825" y="2273658"/>
+              <a:ext cx="3387056" cy="1705966"/>
             </a:xfrm>
             <a:prstGeom prst="rect">
               <a:avLst/>
@@ -10398,12 +10421,106 @@
             </a:bodyPr>
             <a:lstStyle/>
             <a:p>
+              <a:pPr marL="342900" indent="-342900">
+                <a:buFont typeface="Arial" panose="020B0604020202020204" pitchFamily="34" charset="0"/>
+                <a:buChar char="•"/>
+              </a:pPr>
               <a:r>
-                <a:rPr lang="de-AT" sz="2400" dirty="0" err="1">
+                <a:rPr lang="de-AT" sz="2400" dirty="0">
+                  <a:solidFill>
+                    <a:schemeClr val="tx2"/>
+                  </a:solidFill>
                   <a:latin typeface="+mj-lt"/>
                 </a:rPr>
-                <a:t>bla</a:t>
+                <a:t>Setzen eines Usernames</a:t>
               </a:r>
+            </a:p>
+            <a:p>
+              <a:pPr marL="342900" indent="-342900">
+                <a:buFont typeface="Arial" panose="020B0604020202020204" pitchFamily="34" charset="0"/>
+                <a:buChar char="•"/>
+              </a:pPr>
+              <a:r>
+                <a:rPr lang="de-AT" sz="2400" dirty="0">
+                  <a:solidFill>
+                    <a:schemeClr val="tx2"/>
+                  </a:solidFill>
+                  <a:latin typeface="+mj-lt"/>
+                </a:rPr>
+                <a:t>Setzen der Server IP / Dyn-DNS Hostname</a:t>
+              </a:r>
+            </a:p>
+            <a:p>
+              <a:pPr marL="342900" indent="-342900">
+                <a:buFont typeface="Arial" panose="020B0604020202020204" pitchFamily="34" charset="0"/>
+                <a:buChar char="•"/>
+              </a:pPr>
+              <a:r>
+                <a:rPr lang="en-US" sz="2400" dirty="0">
+                  <a:solidFill>
+                    <a:schemeClr val="tx2"/>
+                  </a:solidFill>
+                  <a:latin typeface="+mj-lt"/>
+                </a:rPr>
+                <a:t>Fixer Port (8888) um </a:t>
+              </a:r>
+              <a:r>
+                <a:rPr lang="en-US" sz="2400" dirty="0" err="1">
+                  <a:solidFill>
+                    <a:schemeClr val="tx2"/>
+                  </a:solidFill>
+                  <a:latin typeface="+mj-lt"/>
+                </a:rPr>
+                <a:t>Nutzereingaben</a:t>
+              </a:r>
+              <a:r>
+                <a:rPr lang="en-US" sz="2400" dirty="0">
+                  <a:solidFill>
+                    <a:schemeClr val="tx2"/>
+                  </a:solidFill>
+                  <a:latin typeface="+mj-lt"/>
+                </a:rPr>
+                <a:t> </a:t>
+              </a:r>
+              <a:r>
+                <a:rPr lang="en-US" sz="2400" dirty="0" err="1">
+                  <a:solidFill>
+                    <a:schemeClr val="tx2"/>
+                  </a:solidFill>
+                  <a:latin typeface="+mj-lt"/>
+                </a:rPr>
+                <a:t>zu</a:t>
+              </a:r>
+              <a:r>
+                <a:rPr lang="en-US" sz="2400" dirty="0">
+                  <a:solidFill>
+                    <a:schemeClr val="tx2"/>
+                  </a:solidFill>
+                  <a:latin typeface="+mj-lt"/>
+                </a:rPr>
+                <a:t> </a:t>
+              </a:r>
+              <a:r>
+                <a:rPr lang="en-US" sz="2400" dirty="0" err="1">
+                  <a:solidFill>
+                    <a:schemeClr val="tx2"/>
+                  </a:solidFill>
+                  <a:latin typeface="+mj-lt"/>
+                </a:rPr>
+                <a:t>vereinfachen</a:t>
+              </a:r>
+              <a:endParaRPr lang="en-US" sz="2400" dirty="0">
+                <a:solidFill>
+                  <a:schemeClr val="tx2"/>
+                </a:solidFill>
+                <a:latin typeface="+mj-lt"/>
+              </a:endParaRPr>
+            </a:p>
+            <a:p>
+              <a:pPr marL="342900" indent="-342900">
+                <a:buFont typeface="Arial" panose="020B0604020202020204" pitchFamily="34" charset="0"/>
+                <a:buChar char="•"/>
+              </a:pPr>
               <a:endParaRPr lang="en-US" sz="2400" dirty="0">
                 <a:solidFill>
                   <a:schemeClr val="tx2"/>
@@ -10421,7 +10538,7 @@
           </p:nvSpPr>
           <p:spPr>
             <a:xfrm>
-              <a:off x="2869826" y="1767699"/>
+              <a:off x="2869826" y="1767698"/>
               <a:ext cx="2814366" cy="501755"/>
             </a:xfrm>
             <a:prstGeom prst="rect">
@@ -10805,7 +10922,7 @@
         </p:nvGrpSpPr>
         <p:grpSpPr>
           <a:xfrm>
-            <a:off x="427705" y="1319910"/>
+            <a:off x="427705" y="1563191"/>
             <a:ext cx="9862189" cy="822073"/>
             <a:chOff x="2865519" y="1767949"/>
             <a:chExt cx="3722583" cy="841552"/>
@@ -10833,15 +10950,16 @@
             </a:bodyPr>
             <a:lstStyle/>
             <a:p>
+              <a:pPr marL="342900" indent="-342900">
+                <a:buFont typeface="Arial" panose="020B0604020202020204" pitchFamily="34" charset="0"/>
+                <a:buChar char="•"/>
+              </a:pPr>
               <a:r>
-                <a:rPr lang="de-DE" sz="2400" dirty="0" err="1">
+                <a:rPr lang="de-DE" sz="2400" dirty="0">
                   <a:latin typeface="+mj-lt"/>
                 </a:rPr>
-                <a:t>bla</a:t>
+                <a:t>Anzeige aller relevanten Daten</a:t>
               </a:r>
-              <a:endParaRPr lang="de-DE" sz="2400" dirty="0">
-                <a:latin typeface="+mj-lt"/>
-              </a:endParaRPr>
             </a:p>
           </p:txBody>
         </p:sp>
@@ -10874,25 +10992,7 @@
                   </a:solidFill>
                   <a:latin typeface="+mj-lt"/>
                 </a:rPr>
-                <a:t>Screen </a:t>
-              </a:r>
-              <a:r>
-                <a:rPr lang="de-DE" sz="2400" dirty="0" err="1">
-                  <a:solidFill>
-                    <a:schemeClr val="accent1"/>
-                  </a:solidFill>
-                  <a:latin typeface="+mj-lt"/>
-                </a:rPr>
-                <a:t>Selection</a:t>
-              </a:r>
-              <a:r>
-                <a:rPr lang="de-DE" sz="2400" dirty="0">
-                  <a:solidFill>
-                    <a:schemeClr val="accent1"/>
-                  </a:solidFill>
-                  <a:latin typeface="+mj-lt"/>
-                </a:rPr>
-                <a:t> Bar</a:t>
+                <a:t>Zurzeit abgespieltes Lied</a:t>
               </a:r>
               <a:endParaRPr lang="id-ID" sz="2400" dirty="0">
                 <a:solidFill>
@@ -10912,10 +11012,10 @@
         </p:nvGrpSpPr>
         <p:grpSpPr>
           <a:xfrm>
-            <a:off x="427706" y="3225259"/>
-            <a:ext cx="12755859" cy="801363"/>
+            <a:off x="427706" y="2612862"/>
+            <a:ext cx="12755859" cy="2035193"/>
             <a:chOff x="2869825" y="1767699"/>
-            <a:chExt cx="3387056" cy="870952"/>
+            <a:chExt cx="3387056" cy="2211925"/>
           </a:xfrm>
         </p:grpSpPr>
         <p:sp>
@@ -10926,8 +11026,8 @@
           </p:nvSpPr>
           <p:spPr>
             <a:xfrm>
-              <a:off x="2869825" y="2136896"/>
-              <a:ext cx="3387056" cy="501755"/>
+              <a:off x="2869825" y="2273658"/>
+              <a:ext cx="3387056" cy="1705966"/>
             </a:xfrm>
             <a:prstGeom prst="rect">
               <a:avLst/>
@@ -10940,11 +11040,81 @@
             </a:bodyPr>
             <a:lstStyle/>
             <a:p>
+              <a:pPr marL="342900" indent="-342900">
+                <a:buFont typeface="Arial" panose="020B0604020202020204" pitchFamily="34" charset="0"/>
+                <a:buChar char="•"/>
+              </a:pPr>
+              <a:r>
+                <a:rPr lang="de-AT" sz="2400" dirty="0">
+                  <a:solidFill>
+                    <a:schemeClr val="tx2"/>
+                  </a:solidFill>
+                  <a:latin typeface="+mj-lt"/>
+                </a:rPr>
+                <a:t>Unterteilung in Admin- und Nutzer-Queue</a:t>
+              </a:r>
+            </a:p>
+            <a:p>
+              <a:pPr marL="342900" indent="-342900">
+                <a:buFont typeface="Arial" panose="020B0604020202020204" pitchFamily="34" charset="0"/>
+                <a:buChar char="•"/>
+              </a:pPr>
+              <a:r>
+                <a:rPr lang="de-AT" sz="2400" dirty="0">
+                  <a:solidFill>
+                    <a:schemeClr val="tx2"/>
+                  </a:solidFill>
+                  <a:latin typeface="+mj-lt"/>
+                </a:rPr>
+                <a:t>Admin-Queue vor Nutzer-Queue</a:t>
+              </a:r>
+            </a:p>
+            <a:p>
+              <a:pPr marL="342900" indent="-342900">
+                <a:buFont typeface="Arial" panose="020B0604020202020204" pitchFamily="34" charset="0"/>
+                <a:buChar char="•"/>
+              </a:pPr>
+              <a:r>
+                <a:rPr lang="de-AT" sz="2400" dirty="0">
+                  <a:solidFill>
+                    <a:schemeClr val="tx2"/>
+                  </a:solidFill>
+                  <a:latin typeface="+mj-lt"/>
+                </a:rPr>
+                <a:t>Voten nur für Lieder in der Nutzer-Queue möglich</a:t>
+              </a:r>
+            </a:p>
+            <a:p>
+              <a:pPr marL="342900" indent="-342900">
+                <a:buFont typeface="Arial" panose="020B0604020202020204" pitchFamily="34" charset="0"/>
+                <a:buChar char="•"/>
+              </a:pPr>
+              <a:r>
+                <a:rPr lang="de-AT" sz="2400" dirty="0">
+                  <a:solidFill>
+                    <a:schemeClr val="tx2"/>
+                  </a:solidFill>
+                  <a:latin typeface="+mj-lt"/>
+                </a:rPr>
+                <a:t>Nur ein </a:t>
+              </a:r>
               <a:r>
                 <a:rPr lang="de-AT" sz="2400" dirty="0" err="1">
+                  <a:solidFill>
+                    <a:schemeClr val="tx2"/>
+                  </a:solidFill>
                   <a:latin typeface="+mj-lt"/>
                 </a:rPr>
-                <a:t>bla</a:t>
+                <a:t>Upvote</a:t>
+              </a:r>
+              <a:r>
+                <a:rPr lang="de-AT" sz="2400" dirty="0">
+                  <a:solidFill>
+                    <a:schemeClr val="tx2"/>
+                  </a:solidFill>
+                  <a:latin typeface="+mj-lt"/>
+                </a:rPr>
+                <a:t> pro User erlaubt </a:t>
               </a:r>
               <a:endParaRPr lang="en-US" sz="2400" dirty="0">
                 <a:solidFill>
@@ -10983,7 +11153,7 @@
                     <a:schemeClr val="accent1"/>
                   </a:solidFill>
                 </a:rPr>
-                <a:t>Serververbindung herstellen</a:t>
+                <a:t>Playliste</a:t>
               </a:r>
               <a:endParaRPr lang="en-US" sz="2400" dirty="0">
                 <a:solidFill>
@@ -11152,6 +11322,115 @@
           </p:txBody>
         </p:sp>
       </p:grpSp>
+      <p:grpSp>
+        <p:nvGrpSpPr>
+          <p:cNvPr id="15" name="Group 232">
+            <a:extLst>
+              <a:ext uri="{FF2B5EF4-FFF2-40B4-BE49-F238E27FC236}">
+                <a16:creationId xmlns:a16="http://schemas.microsoft.com/office/drawing/2014/main" id="{DFCA8413-D941-4C55-AD9A-C3DCBDEA4C3E}"/>
+              </a:ext>
+            </a:extLst>
+          </p:cNvPr>
+          <p:cNvGrpSpPr/>
+          <p:nvPr/>
+        </p:nvGrpSpPr>
+        <p:grpSpPr>
+          <a:xfrm>
+            <a:off x="429104" y="4862512"/>
+            <a:ext cx="12755859" cy="927198"/>
+            <a:chOff x="2869825" y="1767699"/>
+            <a:chExt cx="3387056" cy="1007714"/>
+          </a:xfrm>
+        </p:grpSpPr>
+        <p:sp>
+          <p:nvSpPr>
+            <p:cNvPr id="16" name="TextBox 240">
+              <a:extLst>
+                <a:ext uri="{FF2B5EF4-FFF2-40B4-BE49-F238E27FC236}">
+                  <a16:creationId xmlns:a16="http://schemas.microsoft.com/office/drawing/2014/main" id="{28BE3FA9-D0E8-447C-91DE-A0A313DB9986}"/>
+                </a:ext>
+              </a:extLst>
+            </p:cNvPr>
+            <p:cNvSpPr txBox="1"/>
+            <p:nvPr/>
+          </p:nvSpPr>
+          <p:spPr>
+            <a:xfrm>
+              <a:off x="2869825" y="2273658"/>
+              <a:ext cx="3387056" cy="501755"/>
+            </a:xfrm>
+            <a:prstGeom prst="rect">
+              <a:avLst/>
+            </a:prstGeom>
+            <a:noFill/>
+          </p:spPr>
+          <p:txBody>
+            <a:bodyPr wrap="square" rtlCol="0">
+              <a:spAutoFit/>
+            </a:bodyPr>
+            <a:lstStyle/>
+            <a:p>
+              <a:pPr marL="342900" indent="-342900">
+                <a:buFont typeface="Arial" panose="020B0604020202020204" pitchFamily="34" charset="0"/>
+                <a:buChar char="•"/>
+              </a:pPr>
+              <a:r>
+                <a:rPr lang="de-AT" sz="2400" dirty="0">
+                  <a:solidFill>
+                    <a:schemeClr val="tx2"/>
+                  </a:solidFill>
+                  <a:latin typeface="+mj-lt"/>
+                </a:rPr>
+                <a:t>Datenabfrage vom Server alle 500ms</a:t>
+              </a:r>
+            </a:p>
+          </p:txBody>
+        </p:sp>
+        <p:sp>
+          <p:nvSpPr>
+            <p:cNvPr id="17" name="TextBox 241">
+              <a:extLst>
+                <a:ext uri="{FF2B5EF4-FFF2-40B4-BE49-F238E27FC236}">
+                  <a16:creationId xmlns:a16="http://schemas.microsoft.com/office/drawing/2014/main" id="{E6DA61A5-C318-4835-AF55-B0E2BB36F6CF}"/>
+                </a:ext>
+              </a:extLst>
+            </p:cNvPr>
+            <p:cNvSpPr txBox="1"/>
+            <p:nvPr/>
+          </p:nvSpPr>
+          <p:spPr>
+            <a:xfrm>
+              <a:off x="2869826" y="1767699"/>
+              <a:ext cx="2814366" cy="501755"/>
+            </a:xfrm>
+            <a:prstGeom prst="rect">
+              <a:avLst/>
+            </a:prstGeom>
+            <a:noFill/>
+          </p:spPr>
+          <p:txBody>
+            <a:bodyPr wrap="square" rtlCol="0">
+              <a:spAutoFit/>
+            </a:bodyPr>
+            <a:lstStyle/>
+            <a:p>
+              <a:r>
+                <a:rPr lang="de-DE" sz="2400" dirty="0">
+                  <a:solidFill>
+                    <a:schemeClr val="accent1"/>
+                  </a:solidFill>
+                </a:rPr>
+                <a:t>Hintergrundprozess</a:t>
+              </a:r>
+              <a:endParaRPr lang="en-US" sz="2400" dirty="0">
+                <a:solidFill>
+                  <a:schemeClr val="accent1"/>
+                </a:solidFill>
+              </a:endParaRPr>
+            </a:p>
+          </p:txBody>
+        </p:sp>
+      </p:grpSp>
     </p:spTree>
     <p:extLst>
       <p:ext uri="{BB962C8B-B14F-4D97-AF65-F5344CB8AC3E}">
@@ -11270,10 +11549,10 @@
         </p:nvGrpSpPr>
         <p:grpSpPr>
           <a:xfrm>
-            <a:off x="427705" y="1319910"/>
-            <a:ext cx="9862189" cy="822073"/>
+            <a:off x="427705" y="1927073"/>
+            <a:ext cx="9862189" cy="2013955"/>
             <a:chOff x="2865519" y="1767949"/>
-            <a:chExt cx="3722583" cy="841552"/>
+            <a:chExt cx="3722583" cy="2061677"/>
           </a:xfrm>
         </p:grpSpPr>
         <p:sp>
@@ -11284,8 +11563,8 @@
           </p:nvSpPr>
           <p:spPr>
             <a:xfrm>
-              <a:off x="2869825" y="2136897"/>
-              <a:ext cx="3718277" cy="472604"/>
+              <a:off x="2869825" y="2222775"/>
+              <a:ext cx="3718277" cy="1606851"/>
             </a:xfrm>
             <a:prstGeom prst="rect">
               <a:avLst/>
@@ -11298,15 +11577,48 @@
             </a:bodyPr>
             <a:lstStyle/>
             <a:p>
+              <a:pPr marL="342900" indent="-342900">
+                <a:buFont typeface="Arial" panose="020B0604020202020204" pitchFamily="34" charset="0"/>
+                <a:buChar char="•"/>
+              </a:pPr>
               <a:r>
-                <a:rPr lang="de-DE" sz="2400" dirty="0" err="1">
+                <a:rPr lang="de-DE" sz="2400" dirty="0">
                   <a:latin typeface="+mj-lt"/>
                 </a:rPr>
-                <a:t>bla</a:t>
+                <a:t>Texteingabefeld um nach Liednamen zu suchen</a:t>
               </a:r>
-              <a:endParaRPr lang="de-DE" sz="2400" dirty="0">
-                <a:latin typeface="+mj-lt"/>
-              </a:endParaRPr>
+            </a:p>
+            <a:p>
+              <a:pPr marL="342900" indent="-342900">
+                <a:buFont typeface="Arial" panose="020B0604020202020204" pitchFamily="34" charset="0"/>
+                <a:buChar char="•"/>
+              </a:pPr>
+              <a:r>
+                <a:rPr lang="de-DE" sz="2400" dirty="0">
+                  <a:latin typeface="+mj-lt"/>
+                </a:rPr>
+                <a:t>Suche startet durch drücken der „SEARCH“ Taste</a:t>
+              </a:r>
+            </a:p>
+            <a:p>
+              <a:pPr marL="342900" indent="-342900">
+                <a:buFont typeface="Arial" panose="020B0604020202020204" pitchFamily="34" charset="0"/>
+                <a:buChar char="•"/>
+              </a:pPr>
+              <a:r>
+                <a:rPr lang="de-DE" sz="2400" dirty="0">
+                  <a:latin typeface="+mj-lt"/>
+                </a:rPr>
+                <a:t>Gefundene Tracks werden entsprechend in einer</a:t>
+              </a:r>
+            </a:p>
+            <a:p>
+              <a:r>
+                <a:rPr lang="de-DE" sz="2400" dirty="0">
+                  <a:latin typeface="+mj-lt"/>
+                </a:rPr>
+                <a:t>     Liste angezeigt</a:t>
+              </a:r>
             </a:p>
           </p:txBody>
         </p:sp>
@@ -11339,121 +11651,13 @@
                   </a:solidFill>
                   <a:latin typeface="+mj-lt"/>
                 </a:rPr>
-                <a:t>Screen </a:t>
-              </a:r>
-              <a:r>
-                <a:rPr lang="de-DE" sz="2400" dirty="0" err="1">
-                  <a:solidFill>
-                    <a:schemeClr val="accent1"/>
-                  </a:solidFill>
-                  <a:latin typeface="+mj-lt"/>
-                </a:rPr>
-                <a:t>Selection</a:t>
-              </a:r>
-              <a:r>
-                <a:rPr lang="de-DE" sz="2400" dirty="0">
-                  <a:solidFill>
-                    <a:schemeClr val="accent1"/>
-                  </a:solidFill>
-                  <a:latin typeface="+mj-lt"/>
-                </a:rPr>
-                <a:t> Bar</a:t>
+                <a:t>Search Bar</a:t>
               </a:r>
               <a:endParaRPr lang="id-ID" sz="2400" dirty="0">
                 <a:solidFill>
                   <a:schemeClr val="accent1"/>
                 </a:solidFill>
                 <a:latin typeface="+mj-lt"/>
-              </a:endParaRPr>
-            </a:p>
-          </p:txBody>
-        </p:sp>
-      </p:grpSp>
-      <p:grpSp>
-        <p:nvGrpSpPr>
-          <p:cNvPr id="233" name="Group 232"/>
-          <p:cNvGrpSpPr/>
-          <p:nvPr/>
-        </p:nvGrpSpPr>
-        <p:grpSpPr>
-          <a:xfrm>
-            <a:off x="427706" y="3225259"/>
-            <a:ext cx="12755859" cy="801363"/>
-            <a:chOff x="2869825" y="1767699"/>
-            <a:chExt cx="3387056" cy="870952"/>
-          </a:xfrm>
-        </p:grpSpPr>
-        <p:sp>
-          <p:nvSpPr>
-            <p:cNvPr id="241" name="TextBox 240"/>
-            <p:cNvSpPr txBox="1"/>
-            <p:nvPr/>
-          </p:nvSpPr>
-          <p:spPr>
-            <a:xfrm>
-              <a:off x="2869825" y="2136896"/>
-              <a:ext cx="3387056" cy="501755"/>
-            </a:xfrm>
-            <a:prstGeom prst="rect">
-              <a:avLst/>
-            </a:prstGeom>
-            <a:noFill/>
-          </p:spPr>
-          <p:txBody>
-            <a:bodyPr wrap="square" rtlCol="0">
-              <a:spAutoFit/>
-            </a:bodyPr>
-            <a:lstStyle/>
-            <a:p>
-              <a:r>
-                <a:rPr lang="de-AT" sz="2400" dirty="0" err="1">
-                  <a:latin typeface="+mj-lt"/>
-                </a:rPr>
-                <a:t>bla</a:t>
-              </a:r>
-              <a:endParaRPr lang="en-US" sz="2400" dirty="0">
-                <a:solidFill>
-                  <a:schemeClr val="tx2"/>
-                </a:solidFill>
-                <a:latin typeface="+mj-lt"/>
-              </a:endParaRPr>
-            </a:p>
-          </p:txBody>
-        </p:sp>
-        <p:sp>
-          <p:nvSpPr>
-            <p:cNvPr id="242" name="TextBox 241"/>
-            <p:cNvSpPr txBox="1"/>
-            <p:nvPr/>
-          </p:nvSpPr>
-          <p:spPr>
-            <a:xfrm>
-              <a:off x="2869826" y="1767699"/>
-              <a:ext cx="2814366" cy="501755"/>
-            </a:xfrm>
-            <a:prstGeom prst="rect">
-              <a:avLst/>
-            </a:prstGeom>
-            <a:noFill/>
-          </p:spPr>
-          <p:txBody>
-            <a:bodyPr wrap="square" rtlCol="0">
-              <a:spAutoFit/>
-            </a:bodyPr>
-            <a:lstStyle/>
-            <a:p>
-              <a:r>
-                <a:rPr lang="de-DE" sz="2400" dirty="0">
-                  <a:solidFill>
-                    <a:schemeClr val="accent1"/>
-                  </a:solidFill>
-                </a:rPr>
-                <a:t>Serververbindung herstellen</a:t>
-              </a:r>
-              <a:endParaRPr lang="en-US" sz="2400" dirty="0">
-                <a:solidFill>
-                  <a:schemeClr val="accent1"/>
-                </a:solidFill>
               </a:endParaRPr>
             </a:p>
           </p:txBody>
@@ -11617,6 +11821,115 @@
           </p:txBody>
         </p:sp>
       </p:grpSp>
+      <p:grpSp>
+        <p:nvGrpSpPr>
+          <p:cNvPr id="15" name="Group 232">
+            <a:extLst>
+              <a:ext uri="{FF2B5EF4-FFF2-40B4-BE49-F238E27FC236}">
+                <a16:creationId xmlns:a16="http://schemas.microsoft.com/office/drawing/2014/main" id="{45345492-DC2B-4511-B66B-80BA385D4E67}"/>
+              </a:ext>
+            </a:extLst>
+          </p:cNvPr>
+          <p:cNvGrpSpPr/>
+          <p:nvPr/>
+        </p:nvGrpSpPr>
+        <p:grpSpPr>
+          <a:xfrm>
+            <a:off x="429104" y="4174614"/>
+            <a:ext cx="12755859" cy="927198"/>
+            <a:chOff x="2869825" y="1767699"/>
+            <a:chExt cx="3387056" cy="1007714"/>
+          </a:xfrm>
+        </p:grpSpPr>
+        <p:sp>
+          <p:nvSpPr>
+            <p:cNvPr id="16" name="TextBox 240">
+              <a:extLst>
+                <a:ext uri="{FF2B5EF4-FFF2-40B4-BE49-F238E27FC236}">
+                  <a16:creationId xmlns:a16="http://schemas.microsoft.com/office/drawing/2014/main" id="{478F810B-8788-44A8-B043-6E55BFDD3266}"/>
+                </a:ext>
+              </a:extLst>
+            </p:cNvPr>
+            <p:cNvSpPr txBox="1"/>
+            <p:nvPr/>
+          </p:nvSpPr>
+          <p:spPr>
+            <a:xfrm>
+              <a:off x="2869825" y="2273658"/>
+              <a:ext cx="3387056" cy="501755"/>
+            </a:xfrm>
+            <a:prstGeom prst="rect">
+              <a:avLst/>
+            </a:prstGeom>
+            <a:noFill/>
+          </p:spPr>
+          <p:txBody>
+            <a:bodyPr wrap="square" rtlCol="0">
+              <a:spAutoFit/>
+            </a:bodyPr>
+            <a:lstStyle/>
+            <a:p>
+              <a:pPr marL="342900" indent="-342900">
+                <a:buFont typeface="Arial" panose="020B0604020202020204" pitchFamily="34" charset="0"/>
+                <a:buChar char="•"/>
+              </a:pPr>
+              <a:r>
+                <a:rPr lang="de-AT" sz="2400" dirty="0">
+                  <a:solidFill>
+                    <a:schemeClr val="tx2"/>
+                  </a:solidFill>
+                  <a:latin typeface="+mj-lt"/>
+                </a:rPr>
+                <a:t>Aktualisieren der Playlist nach erfolgreichem hinzufügen</a:t>
+              </a:r>
+            </a:p>
+          </p:txBody>
+        </p:sp>
+        <p:sp>
+          <p:nvSpPr>
+            <p:cNvPr id="17" name="TextBox 241">
+              <a:extLst>
+                <a:ext uri="{FF2B5EF4-FFF2-40B4-BE49-F238E27FC236}">
+                  <a16:creationId xmlns:a16="http://schemas.microsoft.com/office/drawing/2014/main" id="{09CD3131-E1BD-49D5-AF99-ABF43C64B42E}"/>
+                </a:ext>
+              </a:extLst>
+            </p:cNvPr>
+            <p:cNvSpPr txBox="1"/>
+            <p:nvPr/>
+          </p:nvSpPr>
+          <p:spPr>
+            <a:xfrm>
+              <a:off x="2869826" y="1767699"/>
+              <a:ext cx="2814366" cy="501755"/>
+            </a:xfrm>
+            <a:prstGeom prst="rect">
+              <a:avLst/>
+            </a:prstGeom>
+            <a:noFill/>
+          </p:spPr>
+          <p:txBody>
+            <a:bodyPr wrap="square" rtlCol="0">
+              <a:spAutoFit/>
+            </a:bodyPr>
+            <a:lstStyle/>
+            <a:p>
+              <a:r>
+                <a:rPr lang="de-DE" sz="2400" dirty="0">
+                  <a:solidFill>
+                    <a:schemeClr val="accent1"/>
+                  </a:solidFill>
+                </a:rPr>
+                <a:t>Hintergrundprozess</a:t>
+              </a:r>
+              <a:endParaRPr lang="en-US" sz="2400" dirty="0">
+                <a:solidFill>
+                  <a:schemeClr val="accent1"/>
+                </a:solidFill>
+              </a:endParaRPr>
+            </a:p>
+          </p:txBody>
+        </p:sp>
+      </p:grpSp>
     </p:spTree>
     <p:extLst>
       <p:ext uri="{BB962C8B-B14F-4D97-AF65-F5344CB8AC3E}">
@@ -11735,10 +12048,10 @@
         </p:nvGrpSpPr>
         <p:grpSpPr>
           <a:xfrm>
-            <a:off x="427705" y="1319910"/>
-            <a:ext cx="9862189" cy="822073"/>
-            <a:chOff x="2865519" y="1767949"/>
-            <a:chExt cx="3722583" cy="841552"/>
+            <a:off x="427705" y="1319911"/>
+            <a:ext cx="9862189" cy="2299399"/>
+            <a:chOff x="2865519" y="1767950"/>
+            <a:chExt cx="3722583" cy="2353882"/>
           </a:xfrm>
         </p:grpSpPr>
         <p:sp>
@@ -11750,7 +12063,7 @@
           <p:spPr>
             <a:xfrm>
               <a:off x="2869825" y="2136897"/>
-              <a:ext cx="3718277" cy="472604"/>
+              <a:ext cx="3718277" cy="1984935"/>
             </a:xfrm>
             <a:prstGeom prst="rect">
               <a:avLst/>
@@ -11763,15 +12076,56 @@
             </a:bodyPr>
             <a:lstStyle/>
             <a:p>
+              <a:pPr marL="342900" indent="-342900">
+                <a:buFont typeface="Arial" panose="020B0604020202020204" pitchFamily="34" charset="0"/>
+                <a:buChar char="•"/>
+              </a:pPr>
               <a:r>
-                <a:rPr lang="de-DE" sz="2400" dirty="0" err="1">
+                <a:rPr lang="de-DE" sz="2400" dirty="0">
                   <a:latin typeface="+mj-lt"/>
                 </a:rPr>
-                <a:t>bla</a:t>
+                <a:t>Listet alle Server auf zu denen jemals erfolgreich </a:t>
               </a:r>
-              <a:endParaRPr lang="de-DE" sz="2400" dirty="0">
-                <a:latin typeface="+mj-lt"/>
-              </a:endParaRPr>
+            </a:p>
+            <a:p>
+              <a:r>
+                <a:rPr lang="de-DE" sz="2400" dirty="0">
+                  <a:latin typeface="+mj-lt"/>
+                </a:rPr>
+                <a:t>     eine Verbindung aufgebaut wurde</a:t>
+              </a:r>
+            </a:p>
+            <a:p>
+              <a:pPr marL="342900" indent="-342900">
+                <a:buFont typeface="Arial" panose="020B0604020202020204" pitchFamily="34" charset="0"/>
+                <a:buChar char="•"/>
+              </a:pPr>
+              <a:r>
+                <a:rPr lang="de-DE" sz="2400" dirty="0">
+                  <a:latin typeface="+mj-lt"/>
+                </a:rPr>
+                <a:t>Verbindungsstatus durch optische Identifikation</a:t>
+              </a:r>
+            </a:p>
+            <a:p>
+              <a:pPr marL="342900" indent="-342900">
+                <a:buFont typeface="Arial" panose="020B0604020202020204" pitchFamily="34" charset="0"/>
+                <a:buChar char="•"/>
+              </a:pPr>
+              <a:r>
+                <a:rPr lang="de-DE" sz="2400" dirty="0">
+                  <a:latin typeface="+mj-lt"/>
+                </a:rPr>
+                <a:t>Wechsel der Serververbindung  durch drücken der </a:t>
+              </a:r>
+            </a:p>
+            <a:p>
+              <a:r>
+                <a:rPr lang="de-DE" sz="2400" dirty="0">
+                  <a:latin typeface="+mj-lt"/>
+                </a:rPr>
+                <a:t>     Connect Taste</a:t>
+              </a:r>
             </a:p>
           </p:txBody>
         </p:sp>
@@ -11783,7 +12137,7 @@
           </p:nvSpPr>
           <p:spPr>
             <a:xfrm>
-              <a:off x="2865519" y="1767949"/>
+              <a:off x="2865519" y="1767950"/>
               <a:ext cx="2158219" cy="472604"/>
             </a:xfrm>
             <a:prstGeom prst="rect">
@@ -11804,25 +12158,7 @@
                   </a:solidFill>
                   <a:latin typeface="+mj-lt"/>
                 </a:rPr>
-                <a:t>Screen </a:t>
-              </a:r>
-              <a:r>
-                <a:rPr lang="de-DE" sz="2400" dirty="0" err="1">
-                  <a:solidFill>
-                    <a:schemeClr val="accent1"/>
-                  </a:solidFill>
-                  <a:latin typeface="+mj-lt"/>
-                </a:rPr>
-                <a:t>Selection</a:t>
-              </a:r>
-              <a:r>
-                <a:rPr lang="de-DE" sz="2400" dirty="0">
-                  <a:solidFill>
-                    <a:schemeClr val="accent1"/>
-                  </a:solidFill>
-                  <a:latin typeface="+mj-lt"/>
-                </a:rPr>
-                <a:t> Bar</a:t>
+                <a:t>Serverliste</a:t>
               </a:r>
               <a:endParaRPr lang="id-ID" sz="2400" dirty="0">
                 <a:solidFill>
@@ -11842,10 +12178,10 @@
         </p:nvGrpSpPr>
         <p:grpSpPr>
           <a:xfrm>
-            <a:off x="427706" y="3225259"/>
-            <a:ext cx="12755859" cy="801363"/>
+            <a:off x="427706" y="3913157"/>
+            <a:ext cx="12755859" cy="1170695"/>
             <a:chOff x="2869825" y="1767699"/>
-            <a:chExt cx="3387056" cy="870952"/>
+            <a:chExt cx="3387056" cy="1272356"/>
           </a:xfrm>
         </p:grpSpPr>
         <p:sp>
@@ -11857,7 +12193,7 @@
           <p:spPr>
             <a:xfrm>
               <a:off x="2869825" y="2136896"/>
-              <a:ext cx="3387056" cy="501755"/>
+              <a:ext cx="3387056" cy="903159"/>
             </a:xfrm>
             <a:prstGeom prst="rect">
               <a:avLst/>
@@ -11870,11 +12206,83 @@
             </a:bodyPr>
             <a:lstStyle/>
             <a:p>
+              <a:pPr marL="342900" indent="-342900">
+                <a:buFont typeface="Arial" panose="020B0604020202020204" pitchFamily="34" charset="0"/>
+                <a:buChar char="•"/>
+              </a:pPr>
               <a:r>
-                <a:rPr lang="de-AT" sz="2400" dirty="0" err="1">
+                <a:rPr lang="en-US" sz="2400" dirty="0" err="1">
+                  <a:solidFill>
+                    <a:schemeClr val="tx2"/>
+                  </a:solidFill>
                   <a:latin typeface="+mj-lt"/>
                 </a:rPr>
-                <a:t>bla</a:t>
+                <a:t>Durch</a:t>
+              </a:r>
+              <a:r>
+                <a:rPr lang="en-US" sz="2400" dirty="0">
+                  <a:solidFill>
+                    <a:schemeClr val="tx2"/>
+                  </a:solidFill>
+                  <a:latin typeface="+mj-lt"/>
+                </a:rPr>
+                <a:t> </a:t>
+              </a:r>
+              <a:r>
+                <a:rPr lang="en-US" sz="2400" dirty="0" err="1">
+                  <a:solidFill>
+                    <a:schemeClr val="tx2"/>
+                  </a:solidFill>
+                  <a:latin typeface="+mj-lt"/>
+                </a:rPr>
+                <a:t>drücken</a:t>
+              </a:r>
+              <a:r>
+                <a:rPr lang="en-US" sz="2400" dirty="0">
+                  <a:solidFill>
+                    <a:schemeClr val="tx2"/>
+                  </a:solidFill>
+                  <a:latin typeface="+mj-lt"/>
+                </a:rPr>
+                <a:t> der “ADD Server” Taste </a:t>
+              </a:r>
+              <a:r>
+                <a:rPr lang="en-US" sz="2400" dirty="0" err="1">
+                  <a:solidFill>
+                    <a:schemeClr val="tx2"/>
+                  </a:solidFill>
+                  <a:latin typeface="+mj-lt"/>
+                </a:rPr>
+                <a:t>wird</a:t>
+              </a:r>
+              <a:r>
+                <a:rPr lang="en-US" sz="2400" dirty="0">
+                  <a:solidFill>
+                    <a:schemeClr val="tx2"/>
+                  </a:solidFill>
+                  <a:latin typeface="+mj-lt"/>
+                </a:rPr>
+                <a:t> man auf</a:t>
+              </a:r>
+            </a:p>
+            <a:p>
+              <a:r>
+                <a:rPr lang="en-US" sz="2400" dirty="0">
+                  <a:solidFill>
+                    <a:schemeClr val="tx2"/>
+                  </a:solidFill>
+                  <a:latin typeface="+mj-lt"/>
+                </a:rPr>
+                <a:t>     den Login-Screen </a:t>
+              </a:r>
+              <a:r>
+                <a:rPr lang="en-US" sz="2400" dirty="0" err="1">
+                  <a:solidFill>
+                    <a:schemeClr val="tx2"/>
+                  </a:solidFill>
+                  <a:latin typeface="+mj-lt"/>
+                </a:rPr>
+                <a:t>umgeleitet</a:t>
               </a:r>
               <a:endParaRPr lang="en-US" sz="2400" dirty="0">
                 <a:solidFill>
@@ -11913,7 +12321,7 @@
                     <a:schemeClr val="accent1"/>
                   </a:solidFill>
                 </a:rPr>
-                <a:t>Serververbindung herstellen</a:t>
+                <a:t>Neue Serververbindung herstellen</a:t>
               </a:r>
               <a:endParaRPr lang="en-US" sz="2400" dirty="0">
                 <a:solidFill>
@@ -12296,10 +12704,10 @@
         </p:nvGrpSpPr>
         <p:grpSpPr>
           <a:xfrm>
-            <a:off x="427704" y="1319910"/>
-            <a:ext cx="9862189" cy="2668732"/>
+            <a:off x="427704" y="1319909"/>
+            <a:ext cx="9862189" cy="1283684"/>
             <a:chOff x="2865519" y="1767949"/>
-            <a:chExt cx="3722583" cy="2731966"/>
+            <a:chExt cx="3722583" cy="1314103"/>
           </a:xfrm>
         </p:grpSpPr>
         <p:sp>
@@ -12310,8 +12718,8 @@
           </p:nvSpPr>
           <p:spPr>
             <a:xfrm>
-              <a:off x="2869825" y="2136897"/>
-              <a:ext cx="3718277" cy="2363018"/>
+              <a:off x="2869825" y="2231363"/>
+              <a:ext cx="3718277" cy="850689"/>
             </a:xfrm>
             <a:prstGeom prst="rect">
               <a:avLst/>
@@ -12324,55 +12732,28 @@
             </a:bodyPr>
             <a:lstStyle/>
             <a:p>
+              <a:pPr marL="342900" indent="-342900">
+                <a:buFont typeface="Arial" panose="020B0604020202020204" pitchFamily="34" charset="0"/>
+                <a:buChar char="•"/>
+              </a:pPr>
               <a:r>
-                <a:rPr lang="de-AT" sz="2400" dirty="0">
+                <a:rPr lang="de-DE" sz="2400" dirty="0">
                   <a:latin typeface="+mj-lt"/>
                 </a:rPr>
-                <a:t>Projekte Mitstudierender:</a:t>
+                <a:t>Informationsaustausch und Kommunikation verlief reibungslos</a:t>
               </a:r>
             </a:p>
             <a:p>
+              <a:pPr marL="342900" indent="-342900">
+                <a:buFont typeface="Arial" panose="020B0604020202020204" pitchFamily="34" charset="0"/>
+                <a:buChar char="•"/>
+              </a:pPr>
               <a:r>
-                <a:rPr lang="de-AT" sz="2400" dirty="0">
+                <a:rPr lang="de-DE" sz="2400" dirty="0">
                   <a:latin typeface="+mj-lt"/>
                 </a:rPr>
-                <a:t>	Konflikt: Räumliche und materielle Engpässe</a:t>
+                <a:t>Ambitionierte Projektteams ermöglichten rasche Entwicklung</a:t>
               </a:r>
-            </a:p>
-            <a:p>
-              <a:r>
-                <a:rPr lang="de-AT" sz="2400" dirty="0">
-                  <a:latin typeface="+mj-lt"/>
-                </a:rPr>
-                <a:t>	Maßnahme: Ausreichende Kommunikation</a:t>
-              </a:r>
-            </a:p>
-            <a:p>
-              <a:r>
-                <a:rPr lang="de-AT" sz="2400" dirty="0">
-                  <a:latin typeface="+mj-lt"/>
-                </a:rPr>
-                <a:t>Nachfolgeprojekt:</a:t>
-              </a:r>
-            </a:p>
-            <a:p>
-              <a:r>
-                <a:rPr lang="de-AT" sz="2400" dirty="0">
-                  <a:latin typeface="+mj-lt"/>
-                </a:rPr>
-                <a:t>	Konflikt: Unvollständige Erarbeitung der Projektziele</a:t>
-              </a:r>
-            </a:p>
-            <a:p>
-              <a:r>
-                <a:rPr lang="de-AT" sz="2400" dirty="0">
-                  <a:latin typeface="+mj-lt"/>
-                </a:rPr>
-                <a:t>	Maßnahme: Laufende Reflexion der erreichten Meilensteine</a:t>
-              </a:r>
-              <a:endParaRPr lang="de-DE" sz="2400" dirty="0">
-                <a:latin typeface="+mj-lt"/>
-              </a:endParaRPr>
             </a:p>
           </p:txBody>
         </p:sp>
@@ -12405,7 +12786,7 @@
                   </a:solidFill>
                   <a:latin typeface="+mj-lt"/>
                 </a:rPr>
-                <a:t>Beziehungen zu anderen Projekten </a:t>
+                <a:t>Interne und externe Projektkoordination</a:t>
               </a:r>
               <a:endParaRPr lang="id-ID" sz="2400" dirty="0">
                 <a:solidFill>
@@ -12426,9 +12807,9 @@
         <p:grpSpPr>
           <a:xfrm>
             <a:off x="310479" y="268661"/>
-            <a:ext cx="3393827" cy="622107"/>
+            <a:ext cx="4731304" cy="830997"/>
             <a:chOff x="310479" y="268661"/>
-            <a:chExt cx="3393827" cy="622107"/>
+            <a:chExt cx="3393827" cy="830997"/>
           </a:xfrm>
         </p:grpSpPr>
         <p:grpSp>
@@ -12440,9 +12821,9 @@
           <p:grpSpPr>
             <a:xfrm>
               <a:off x="427705" y="268661"/>
-              <a:ext cx="3276601" cy="622107"/>
+              <a:ext cx="3276601" cy="830997"/>
               <a:chOff x="6489838" y="402364"/>
-              <a:chExt cx="3276601" cy="622107"/>
+              <a:chExt cx="3276601" cy="830997"/>
             </a:xfrm>
           </p:grpSpPr>
           <p:sp>
@@ -12454,7 +12835,7 @@
             <p:spPr>
               <a:xfrm>
                 <a:off x="6489838" y="402364"/>
-                <a:ext cx="3206859" cy="461665"/>
+                <a:ext cx="3206859" cy="830997"/>
               </a:xfrm>
               <a:prstGeom prst="rect">
                 <a:avLst/>
@@ -12474,7 +12855,7 @@
                     </a:solidFill>
                     <a:latin typeface="+mj-lt"/>
                   </a:rPr>
-                  <a:t>UMWELTANALYSE</a:t>
+                  <a:t>RÜCKBLICK UND LEARNINGS</a:t>
                 </a:r>
                 <a:endParaRPr lang="en-US" sz="2400" b="1" dirty="0">
                   <a:solidFill>
@@ -12514,7 +12895,7 @@
                     </a:solidFill>
                     <a:latin typeface="+mj-lt"/>
                   </a:rPr>
-                  <a:t>Weiteres</a:t>
+                  <a:t>Positives</a:t>
                 </a:r>
                 <a:endParaRPr lang="en-US" sz="1200" dirty="0">
                   <a:solidFill>
@@ -12577,28 +12958,105 @@
       </p:grpSp>
       <p:grpSp>
         <p:nvGrpSpPr>
-          <p:cNvPr id="47" name="Group 46"/>
+          <p:cNvPr id="13" name="Group 208">
+            <a:extLst>
+              <a:ext uri="{FF2B5EF4-FFF2-40B4-BE49-F238E27FC236}">
+                <a16:creationId xmlns:a16="http://schemas.microsoft.com/office/drawing/2014/main" id="{FEF5A1E7-21E3-4201-A627-2E1AF010E4C4}"/>
+              </a:ext>
+            </a:extLst>
+          </p:cNvPr>
           <p:cNvGrpSpPr/>
           <p:nvPr/>
         </p:nvGrpSpPr>
         <p:grpSpPr>
           <a:xfrm>
-            <a:off x="427711" y="4317356"/>
-            <a:ext cx="10267130" cy="1668957"/>
-            <a:chOff x="2869827" y="1771261"/>
-            <a:chExt cx="3203340" cy="822082"/>
+            <a:off x="429102" y="2822939"/>
+            <a:ext cx="9862189" cy="2391679"/>
+            <a:chOff x="2865519" y="1767949"/>
+            <a:chExt cx="3722583" cy="2448354"/>
           </a:xfrm>
         </p:grpSpPr>
         <p:sp>
           <p:nvSpPr>
-            <p:cNvPr id="48" name="TextBox 47"/>
+            <p:cNvPr id="14" name="TextBox 210">
+              <a:extLst>
+                <a:ext uri="{FF2B5EF4-FFF2-40B4-BE49-F238E27FC236}">
+                  <a16:creationId xmlns:a16="http://schemas.microsoft.com/office/drawing/2014/main" id="{79DA3613-579C-4C9E-A4C4-32BAA37F9F66}"/>
+                </a:ext>
+              </a:extLst>
+            </p:cNvPr>
             <p:cNvSpPr txBox="1"/>
             <p:nvPr/>
           </p:nvSpPr>
           <p:spPr>
             <a:xfrm>
-              <a:off x="2873384" y="2002094"/>
-              <a:ext cx="3199783" cy="591249"/>
+              <a:off x="2869825" y="2231363"/>
+              <a:ext cx="3718277" cy="1984940"/>
+            </a:xfrm>
+            <a:prstGeom prst="rect">
+              <a:avLst/>
+            </a:prstGeom>
+            <a:noFill/>
+          </p:spPr>
+          <p:txBody>
+            <a:bodyPr wrap="square" rtlCol="0">
+              <a:spAutoFit/>
+            </a:bodyPr>
+            <a:lstStyle/>
+            <a:p>
+              <a:pPr marL="342900" indent="-342900">
+                <a:buFont typeface="Arial" panose="020B0604020202020204" pitchFamily="34" charset="0"/>
+                <a:buChar char="•"/>
+              </a:pPr>
+              <a:r>
+                <a:rPr lang="de-DE" sz="2400" dirty="0">
+                  <a:latin typeface="+mj-lt"/>
+                </a:rPr>
+                <a:t>Ermöglichte Aufteilung in Subarbeitspakete</a:t>
+              </a:r>
+            </a:p>
+            <a:p>
+              <a:pPr marL="342900" indent="-342900">
+                <a:buFont typeface="Arial" panose="020B0604020202020204" pitchFamily="34" charset="0"/>
+                <a:buChar char="•"/>
+              </a:pPr>
+              <a:r>
+                <a:rPr lang="de-DE" sz="2400" dirty="0">
+                  <a:latin typeface="+mj-lt"/>
+                </a:rPr>
+                <a:t>Schnittstellendefinition zum Server ermöglichte eigenständige Implementierung ohne Abhängigkeiten</a:t>
+              </a:r>
+            </a:p>
+            <a:p>
+              <a:pPr marL="342900" indent="-342900">
+                <a:buFont typeface="Arial" panose="020B0604020202020204" pitchFamily="34" charset="0"/>
+                <a:buChar char="•"/>
+              </a:pPr>
+              <a:r>
+                <a:rPr lang="de-DE" sz="2400" dirty="0">
+                  <a:latin typeface="+mj-lt"/>
+                </a:rPr>
+                <a:t>Förderte Kompatibilität wodurch Integrationstests nur kleinere Mängel ergaben</a:t>
+              </a:r>
+            </a:p>
+          </p:txBody>
+        </p:sp>
+        <p:sp>
+          <p:nvSpPr>
+            <p:cNvPr id="15" name="TextBox 211">
+              <a:extLst>
+                <a:ext uri="{FF2B5EF4-FFF2-40B4-BE49-F238E27FC236}">
+                  <a16:creationId xmlns:a16="http://schemas.microsoft.com/office/drawing/2014/main" id="{D397251A-6BDF-4E36-8091-288428DEA964}"/>
+                </a:ext>
+              </a:extLst>
+            </p:cNvPr>
+            <p:cNvSpPr txBox="1"/>
+            <p:nvPr/>
+          </p:nvSpPr>
+          <p:spPr>
+            <a:xfrm>
+              <a:off x="2865519" y="1767949"/>
+              <a:ext cx="2158219" cy="472604"/>
             </a:xfrm>
             <a:prstGeom prst="rect">
               <a:avLst/>
@@ -12612,51 +13070,20 @@
             <a:lstStyle/>
             <a:p>
               <a:r>
-                <a:rPr lang="de-AT" sz="2400" dirty="0">
-                  <a:latin typeface="+mj-lt"/>
-                </a:rPr>
-                <a:t>Attraktivität für potentielle Studierende: Im Zuge von Marketingveranstaltungen, wie den Open House Day, kann mittels Vorzeigeobjekt das Potential der Ausbildung an der FH-Joanneum gezeigt werden. </a:t>
-              </a:r>
-              <a:endParaRPr lang="en-US" sz="2400" dirty="0">
-                <a:solidFill>
-                  <a:schemeClr val="tx2"/>
-                </a:solidFill>
-                <a:latin typeface="+mj-lt"/>
-              </a:endParaRPr>
-            </a:p>
-          </p:txBody>
-        </p:sp>
-        <p:sp>
-          <p:nvSpPr>
-            <p:cNvPr id="49" name="TextBox 48"/>
-            <p:cNvSpPr txBox="1"/>
-            <p:nvPr/>
-          </p:nvSpPr>
-          <p:spPr>
-            <a:xfrm>
-              <a:off x="2869827" y="1771261"/>
-              <a:ext cx="2158219" cy="227403"/>
-            </a:xfrm>
-            <a:prstGeom prst="rect">
-              <a:avLst/>
-            </a:prstGeom>
-            <a:noFill/>
-          </p:spPr>
-          <p:txBody>
-            <a:bodyPr wrap="square" rtlCol="0">
-              <a:spAutoFit/>
-            </a:bodyPr>
-            <a:lstStyle/>
-            <a:p>
-              <a:r>
-                <a:rPr lang="id-ID" sz="2400" dirty="0">
+                <a:rPr lang="de-DE" sz="2400" dirty="0">
                   <a:solidFill>
                     <a:schemeClr val="accent1"/>
                   </a:solidFill>
                   <a:latin typeface="+mj-lt"/>
                 </a:rPr>
-                <a:t>Zusammenhang zu Unternehmenszielen</a:t>
+                <a:t>Schnittstellendefinition</a:t>
               </a:r>
+              <a:endParaRPr lang="id-ID" sz="2400" dirty="0">
+                <a:solidFill>
+                  <a:schemeClr val="accent1"/>
+                </a:solidFill>
+                <a:latin typeface="+mj-lt"/>
+              </a:endParaRPr>
             </a:p>
           </p:txBody>
         </p:sp>
@@ -12678,6 +13105,526 @@
 </file>
 
 <file path=ppt/slides/slide17.xml><?xml version="1.0" encoding="utf-8"?>
+<p:sld xmlns:a="http://schemas.openxmlformats.org/drawingml/2006/main" xmlns:r="http://schemas.openxmlformats.org/officeDocument/2006/relationships" xmlns:p="http://schemas.openxmlformats.org/presentationml/2006/main">
+  <p:cSld>
+    <p:spTree>
+      <p:nvGrpSpPr>
+        <p:cNvPr id="1" name=""/>
+        <p:cNvGrpSpPr/>
+        <p:nvPr/>
+      </p:nvGrpSpPr>
+      <p:grpSpPr>
+        <a:xfrm>
+          <a:off x="0" y="0"/>
+          <a:ext cx="0" cy="0"/>
+          <a:chOff x="0" y="0"/>
+          <a:chExt cx="0" cy="0"/>
+        </a:xfrm>
+      </p:grpSpPr>
+      <p:grpSp>
+        <p:nvGrpSpPr>
+          <p:cNvPr id="42" name="Group 41"/>
+          <p:cNvGrpSpPr/>
+          <p:nvPr/>
+        </p:nvGrpSpPr>
+        <p:grpSpPr>
+          <a:xfrm>
+            <a:off x="310479" y="268661"/>
+            <a:ext cx="4731304" cy="830997"/>
+            <a:chOff x="310479" y="268661"/>
+            <a:chExt cx="3393827" cy="830997"/>
+          </a:xfrm>
+        </p:grpSpPr>
+        <p:grpSp>
+          <p:nvGrpSpPr>
+            <p:cNvPr id="43" name="Group 42"/>
+            <p:cNvGrpSpPr/>
+            <p:nvPr/>
+          </p:nvGrpSpPr>
+          <p:grpSpPr>
+            <a:xfrm>
+              <a:off x="427705" y="268661"/>
+              <a:ext cx="3276601" cy="830997"/>
+              <a:chOff x="6489838" y="402364"/>
+              <a:chExt cx="3276601" cy="830997"/>
+            </a:xfrm>
+          </p:grpSpPr>
+          <p:sp>
+            <p:nvSpPr>
+              <p:cNvPr id="45" name="TextBox 44"/>
+              <p:cNvSpPr txBox="1"/>
+              <p:nvPr/>
+            </p:nvSpPr>
+            <p:spPr>
+              <a:xfrm>
+                <a:off x="6489838" y="402364"/>
+                <a:ext cx="3206859" cy="830997"/>
+              </a:xfrm>
+              <a:prstGeom prst="rect">
+                <a:avLst/>
+              </a:prstGeom>
+              <a:noFill/>
+            </p:spPr>
+            <p:txBody>
+              <a:bodyPr wrap="square" rtlCol="0">
+                <a:spAutoFit/>
+              </a:bodyPr>
+              <a:lstStyle/>
+              <a:p>
+                <a:r>
+                  <a:rPr lang="de-DE" sz="2400" b="1" dirty="0">
+                    <a:solidFill>
+                      <a:schemeClr val="tx2"/>
+                    </a:solidFill>
+                    <a:latin typeface="+mj-lt"/>
+                  </a:rPr>
+                  <a:t>RÜCKBLICK UND LEARNINGS</a:t>
+                </a:r>
+                <a:endParaRPr lang="en-US" sz="2400" b="1" dirty="0">
+                  <a:solidFill>
+                    <a:schemeClr val="tx2"/>
+                  </a:solidFill>
+                  <a:latin typeface="+mj-lt"/>
+                </a:endParaRPr>
+              </a:p>
+            </p:txBody>
+          </p:sp>
+          <p:sp>
+            <p:nvSpPr>
+              <p:cNvPr id="46" name="TextBox 45"/>
+              <p:cNvSpPr txBox="1"/>
+              <p:nvPr/>
+            </p:nvSpPr>
+            <p:spPr>
+              <a:xfrm>
+                <a:off x="6489839" y="747472"/>
+                <a:ext cx="3276600" cy="276999"/>
+              </a:xfrm>
+              <a:prstGeom prst="rect">
+                <a:avLst/>
+              </a:prstGeom>
+              <a:noFill/>
+            </p:spPr>
+            <p:txBody>
+              <a:bodyPr wrap="square" rtlCol="0">
+                <a:spAutoFit/>
+              </a:bodyPr>
+              <a:lstStyle/>
+              <a:p>
+                <a:r>
+                  <a:rPr lang="de-DE" sz="1200" dirty="0">
+                    <a:solidFill>
+                      <a:schemeClr val="accent1"/>
+                    </a:solidFill>
+                    <a:latin typeface="+mj-lt"/>
+                  </a:rPr>
+                  <a:t>Negatives</a:t>
+                </a:r>
+                <a:endParaRPr lang="en-US" sz="1200" dirty="0">
+                  <a:solidFill>
+                    <a:schemeClr val="accent1"/>
+                  </a:solidFill>
+                  <a:latin typeface="+mj-lt"/>
+                </a:endParaRPr>
+              </a:p>
+            </p:txBody>
+          </p:sp>
+        </p:grpSp>
+        <p:sp>
+          <p:nvSpPr>
+            <p:cNvPr id="44" name="Rectangle 43"/>
+            <p:cNvSpPr/>
+            <p:nvPr/>
+          </p:nvSpPr>
+          <p:spPr>
+            <a:xfrm>
+              <a:off x="310479" y="343704"/>
+              <a:ext cx="117227" cy="491071"/>
+            </a:xfrm>
+            <a:prstGeom prst="rect">
+              <a:avLst/>
+            </a:prstGeom>
+            <a:solidFill>
+              <a:schemeClr val="accent1"/>
+            </a:solidFill>
+            <a:ln>
+              <a:noFill/>
+            </a:ln>
+          </p:spPr>
+          <p:style>
+            <a:lnRef idx="2">
+              <a:schemeClr val="accent1">
+                <a:shade val="50000"/>
+              </a:schemeClr>
+            </a:lnRef>
+            <a:fillRef idx="1">
+              <a:schemeClr val="accent1"/>
+            </a:fillRef>
+            <a:effectRef idx="0">
+              <a:schemeClr val="accent1"/>
+            </a:effectRef>
+            <a:fontRef idx="minor">
+              <a:schemeClr val="lt1"/>
+            </a:fontRef>
+          </p:style>
+          <p:txBody>
+            <a:bodyPr rtlCol="0" anchor="ctr"/>
+            <a:lstStyle/>
+            <a:p>
+              <a:pPr algn="ctr"/>
+              <a:endParaRPr lang="en-US">
+                <a:latin typeface="+mj-lt"/>
+              </a:endParaRPr>
+            </a:p>
+          </p:txBody>
+        </p:sp>
+      </p:grpSp>
+      <p:grpSp>
+        <p:nvGrpSpPr>
+          <p:cNvPr id="13" name="Group 208">
+            <a:extLst>
+              <a:ext uri="{FF2B5EF4-FFF2-40B4-BE49-F238E27FC236}">
+                <a16:creationId xmlns:a16="http://schemas.microsoft.com/office/drawing/2014/main" id="{8C9696C6-B1FA-4183-97F6-CBDBCC509B2A}"/>
+              </a:ext>
+            </a:extLst>
+          </p:cNvPr>
+          <p:cNvGrpSpPr/>
+          <p:nvPr/>
+        </p:nvGrpSpPr>
+        <p:grpSpPr>
+          <a:xfrm>
+            <a:off x="427704" y="1319911"/>
+            <a:ext cx="9862189" cy="1653015"/>
+            <a:chOff x="2865519" y="1767949"/>
+            <a:chExt cx="3722583" cy="1692185"/>
+          </a:xfrm>
+        </p:grpSpPr>
+        <p:sp>
+          <p:nvSpPr>
+            <p:cNvPr id="14" name="TextBox 210">
+              <a:extLst>
+                <a:ext uri="{FF2B5EF4-FFF2-40B4-BE49-F238E27FC236}">
+                  <a16:creationId xmlns:a16="http://schemas.microsoft.com/office/drawing/2014/main" id="{CD078CA1-1F90-4B7C-B138-403EE0FDBBC4}"/>
+                </a:ext>
+              </a:extLst>
+            </p:cNvPr>
+            <p:cNvSpPr txBox="1"/>
+            <p:nvPr/>
+          </p:nvSpPr>
+          <p:spPr>
+            <a:xfrm>
+              <a:off x="2869825" y="2231362"/>
+              <a:ext cx="3718277" cy="1228772"/>
+            </a:xfrm>
+            <a:prstGeom prst="rect">
+              <a:avLst/>
+            </a:prstGeom>
+            <a:noFill/>
+          </p:spPr>
+          <p:txBody>
+            <a:bodyPr wrap="square" rtlCol="0">
+              <a:spAutoFit/>
+            </a:bodyPr>
+            <a:lstStyle/>
+            <a:p>
+              <a:pPr marL="342900" indent="-342900">
+                <a:buFont typeface="Arial" panose="020B0604020202020204" pitchFamily="34" charset="0"/>
+                <a:buChar char="•"/>
+              </a:pPr>
+              <a:r>
+                <a:rPr lang="de-DE" sz="2400" dirty="0">
+                  <a:latin typeface="+mj-lt"/>
+                </a:rPr>
+                <a:t>Projektaufwand zu gering um Vorteile von </a:t>
+              </a:r>
+              <a:r>
+                <a:rPr lang="de-DE" sz="2400" dirty="0" err="1">
+                  <a:latin typeface="+mj-lt"/>
+                </a:rPr>
+                <a:t>Scrum</a:t>
+              </a:r>
+              <a:r>
+                <a:rPr lang="de-DE" sz="2400" dirty="0">
+                  <a:latin typeface="+mj-lt"/>
+                </a:rPr>
+                <a:t> zu nutzen</a:t>
+              </a:r>
+            </a:p>
+            <a:p>
+              <a:pPr marL="342900" indent="-342900">
+                <a:buFont typeface="Arial" panose="020B0604020202020204" pitchFamily="34" charset="0"/>
+                <a:buChar char="•"/>
+              </a:pPr>
+              <a:r>
+                <a:rPr lang="de-DE" sz="2400" dirty="0">
+                  <a:latin typeface="+mj-lt"/>
+                </a:rPr>
+                <a:t>Daily </a:t>
+              </a:r>
+              <a:r>
+                <a:rPr lang="de-DE" sz="2400" dirty="0" err="1">
+                  <a:latin typeface="+mj-lt"/>
+                </a:rPr>
+                <a:t>Scrums</a:t>
+              </a:r>
+              <a:r>
+                <a:rPr lang="de-DE" sz="2400" dirty="0">
+                  <a:latin typeface="+mj-lt"/>
+                </a:rPr>
+                <a:t> nicht praktikabel wodurch diese nicht abgehalten wurden</a:t>
+              </a:r>
+            </a:p>
+            <a:p>
+              <a:pPr marL="342900" indent="-342900">
+                <a:buFont typeface="Arial" panose="020B0604020202020204" pitchFamily="34" charset="0"/>
+                <a:buChar char="•"/>
+              </a:pPr>
+              <a:r>
+                <a:rPr lang="de-DE" sz="2400" dirty="0" err="1">
+                  <a:latin typeface="+mj-lt"/>
+                </a:rPr>
+                <a:t>Canban</a:t>
+              </a:r>
+              <a:r>
+                <a:rPr lang="de-DE" sz="2400" dirty="0">
+                  <a:latin typeface="+mj-lt"/>
+                </a:rPr>
+                <a:t> Boards anstelle von </a:t>
+              </a:r>
+              <a:r>
+                <a:rPr lang="de-DE" sz="2400" dirty="0" err="1">
+                  <a:latin typeface="+mj-lt"/>
+                </a:rPr>
+                <a:t>Scrum</a:t>
+              </a:r>
+              <a:r>
+                <a:rPr lang="de-DE" sz="2400" dirty="0">
+                  <a:latin typeface="+mj-lt"/>
+                </a:rPr>
+                <a:t> verwenden</a:t>
+              </a:r>
+            </a:p>
+          </p:txBody>
+        </p:sp>
+        <p:sp>
+          <p:nvSpPr>
+            <p:cNvPr id="15" name="TextBox 211">
+              <a:extLst>
+                <a:ext uri="{FF2B5EF4-FFF2-40B4-BE49-F238E27FC236}">
+                  <a16:creationId xmlns:a16="http://schemas.microsoft.com/office/drawing/2014/main" id="{0B69310F-9A09-4C85-9328-38F321ACBF4B}"/>
+                </a:ext>
+              </a:extLst>
+            </p:cNvPr>
+            <p:cNvSpPr txBox="1"/>
+            <p:nvPr/>
+          </p:nvSpPr>
+          <p:spPr>
+            <a:xfrm>
+              <a:off x="2865519" y="1767949"/>
+              <a:ext cx="2158219" cy="472604"/>
+            </a:xfrm>
+            <a:prstGeom prst="rect">
+              <a:avLst/>
+            </a:prstGeom>
+            <a:noFill/>
+          </p:spPr>
+          <p:txBody>
+            <a:bodyPr wrap="square" rtlCol="0">
+              <a:spAutoFit/>
+            </a:bodyPr>
+            <a:lstStyle/>
+            <a:p>
+              <a:r>
+                <a:rPr lang="de-DE" sz="2400" dirty="0" err="1">
+                  <a:solidFill>
+                    <a:schemeClr val="accent1"/>
+                  </a:solidFill>
+                  <a:latin typeface="+mj-lt"/>
+                </a:rPr>
+                <a:t>Scrum</a:t>
+              </a:r>
+              <a:endParaRPr lang="id-ID" sz="2400" dirty="0">
+                <a:solidFill>
+                  <a:schemeClr val="accent1"/>
+                </a:solidFill>
+                <a:latin typeface="+mj-lt"/>
+              </a:endParaRPr>
+            </a:p>
+          </p:txBody>
+        </p:sp>
+      </p:grpSp>
+      <p:grpSp>
+        <p:nvGrpSpPr>
+          <p:cNvPr id="16" name="Group 208">
+            <a:extLst>
+              <a:ext uri="{FF2B5EF4-FFF2-40B4-BE49-F238E27FC236}">
+                <a16:creationId xmlns:a16="http://schemas.microsoft.com/office/drawing/2014/main" id="{B1135875-5739-41B4-A4A3-73E08FEF5DBA}"/>
+              </a:ext>
+            </a:extLst>
+          </p:cNvPr>
+          <p:cNvGrpSpPr/>
+          <p:nvPr/>
+        </p:nvGrpSpPr>
+        <p:grpSpPr>
+          <a:xfrm>
+            <a:off x="429102" y="3091386"/>
+            <a:ext cx="9862189" cy="2391680"/>
+            <a:chOff x="2865519" y="1767948"/>
+            <a:chExt cx="3722583" cy="2448355"/>
+          </a:xfrm>
+        </p:grpSpPr>
+        <p:sp>
+          <p:nvSpPr>
+            <p:cNvPr id="17" name="TextBox 210">
+              <a:extLst>
+                <a:ext uri="{FF2B5EF4-FFF2-40B4-BE49-F238E27FC236}">
+                  <a16:creationId xmlns:a16="http://schemas.microsoft.com/office/drawing/2014/main" id="{0C405596-2E73-465B-996D-7B8DE55508CD}"/>
+                </a:ext>
+              </a:extLst>
+            </p:cNvPr>
+            <p:cNvSpPr txBox="1"/>
+            <p:nvPr/>
+          </p:nvSpPr>
+          <p:spPr>
+            <a:xfrm>
+              <a:off x="2869825" y="2231363"/>
+              <a:ext cx="3718277" cy="1984940"/>
+            </a:xfrm>
+            <a:prstGeom prst="rect">
+              <a:avLst/>
+            </a:prstGeom>
+            <a:noFill/>
+          </p:spPr>
+          <p:txBody>
+            <a:bodyPr wrap="square" rtlCol="0">
+              <a:spAutoFit/>
+            </a:bodyPr>
+            <a:lstStyle/>
+            <a:p>
+              <a:pPr marL="342900" indent="-342900">
+                <a:buFont typeface="Arial" panose="020B0604020202020204" pitchFamily="34" charset="0"/>
+                <a:buChar char="•"/>
+              </a:pPr>
+              <a:r>
+                <a:rPr lang="de-DE" sz="2400" dirty="0">
+                  <a:latin typeface="+mj-lt"/>
+                </a:rPr>
+                <a:t>Schnelle Architekturphase ging zulasten der gesamten Architektur</a:t>
+              </a:r>
+            </a:p>
+            <a:p>
+              <a:pPr marL="342900" indent="-342900">
+                <a:buFont typeface="Arial" panose="020B0604020202020204" pitchFamily="34" charset="0"/>
+                <a:buChar char="•"/>
+              </a:pPr>
+              <a:r>
+                <a:rPr lang="de-DE" sz="2400" dirty="0" err="1">
+                  <a:latin typeface="+mj-lt"/>
+                </a:rPr>
+                <a:t>Redesign</a:t>
+              </a:r>
+              <a:r>
+                <a:rPr lang="de-DE" sz="2400" dirty="0">
+                  <a:latin typeface="+mj-lt"/>
+                </a:rPr>
+                <a:t> war in der ersten Phase notwendig um Funktionalität zu bieten</a:t>
+              </a:r>
+            </a:p>
+            <a:p>
+              <a:pPr marL="342900" indent="-342900">
+                <a:buFont typeface="Arial" panose="020B0604020202020204" pitchFamily="34" charset="0"/>
+                <a:buChar char="•"/>
+              </a:pPr>
+              <a:r>
+                <a:rPr lang="de-DE" sz="2400" dirty="0">
+                  <a:latin typeface="+mj-lt"/>
+                </a:rPr>
+                <a:t>Lange Fehlersuche durch nichtreproduzierbare Fehler die durch Design </a:t>
+              </a:r>
+            </a:p>
+            <a:p>
+              <a:r>
+                <a:rPr lang="de-DE" sz="2400" dirty="0">
+                  <a:latin typeface="+mj-lt"/>
+                </a:rPr>
+                <a:t>     entstanden sind</a:t>
+              </a:r>
+            </a:p>
+            <a:p>
+              <a:pPr marL="342900" indent="-342900">
+                <a:buFont typeface="Arial" panose="020B0604020202020204" pitchFamily="34" charset="0"/>
+                <a:buChar char="•"/>
+              </a:pPr>
+              <a:endParaRPr lang="de-DE" sz="2400" dirty="0">
+                <a:latin typeface="+mj-lt"/>
+              </a:endParaRPr>
+            </a:p>
+          </p:txBody>
+        </p:sp>
+        <p:sp>
+          <p:nvSpPr>
+            <p:cNvPr id="18" name="TextBox 211">
+              <a:extLst>
+                <a:ext uri="{FF2B5EF4-FFF2-40B4-BE49-F238E27FC236}">
+                  <a16:creationId xmlns:a16="http://schemas.microsoft.com/office/drawing/2014/main" id="{0D43786B-D2B0-4F33-89BE-5B9E715C84BB}"/>
+                </a:ext>
+              </a:extLst>
+            </p:cNvPr>
+            <p:cNvSpPr txBox="1"/>
+            <p:nvPr/>
+          </p:nvSpPr>
+          <p:spPr>
+            <a:xfrm>
+              <a:off x="2865519" y="1767948"/>
+              <a:ext cx="2158219" cy="472604"/>
+            </a:xfrm>
+            <a:prstGeom prst="rect">
+              <a:avLst/>
+            </a:prstGeom>
+            <a:noFill/>
+          </p:spPr>
+          <p:txBody>
+            <a:bodyPr wrap="square" rtlCol="0">
+              <a:spAutoFit/>
+            </a:bodyPr>
+            <a:lstStyle/>
+            <a:p>
+              <a:r>
+                <a:rPr lang="de-DE" sz="2400" dirty="0">
+                  <a:solidFill>
+                    <a:schemeClr val="accent1"/>
+                  </a:solidFill>
+                  <a:latin typeface="+mj-lt"/>
+                </a:rPr>
+                <a:t>Architektur Fehler</a:t>
+              </a:r>
+              <a:endParaRPr lang="id-ID" sz="2400" dirty="0">
+                <a:solidFill>
+                  <a:schemeClr val="accent1"/>
+                </a:solidFill>
+                <a:latin typeface="+mj-lt"/>
+              </a:endParaRPr>
+            </a:p>
+          </p:txBody>
+        </p:sp>
+      </p:grpSp>
+    </p:spTree>
+    <p:extLst>
+      <p:ext uri="{BB962C8B-B14F-4D97-AF65-F5344CB8AC3E}">
+        <p14:creationId xmlns:p14="http://schemas.microsoft.com/office/powerpoint/2010/main" val="3025421516"/>
+      </p:ext>
+    </p:extLst>
+  </p:cSld>
+  <p:clrMapOvr>
+    <a:masterClrMapping/>
+  </p:clrMapOvr>
+  <p:transition>
+    <p:push dir="u"/>
+  </p:transition>
+</p:sld>
+</file>
+
+<file path=ppt/slides/slide18.xml><?xml version="1.0" encoding="utf-8"?>
 <p:sld xmlns:a="http://schemas.openxmlformats.org/drawingml/2006/main" xmlns:r="http://schemas.openxmlformats.org/officeDocument/2006/relationships" xmlns:p="http://schemas.openxmlformats.org/presentationml/2006/main">
   <p:cSld>
     <p:spTree>
@@ -16085,7 +17032,7 @@
         </p:nvSpPr>
         <p:spPr>
           <a:xfrm>
-            <a:off x="3048000" y="1437515"/>
+            <a:off x="3048000" y="1278124"/>
             <a:ext cx="7389204" cy="1015663"/>
           </a:xfrm>
           <a:prstGeom prst="rect">
@@ -16254,7 +17201,25 @@
                 </a:solidFill>
                 <a:latin typeface="+mj-lt"/>
               </a:rPr>
-              <a:t>Agiler Entwicklungsablauf durch Verwendung von SCRUM in jedem Projektteam. Synchronisation zwischen den Teams erfolgt grundsätzlich über die </a:t>
+              <a:t>Agiler Entwicklungsablauf durch Verwendung von </a:t>
+            </a:r>
+            <a:r>
+              <a:rPr lang="de-DE" sz="2000" dirty="0" err="1">
+                <a:solidFill>
+                  <a:schemeClr val="tx2"/>
+                </a:solidFill>
+                <a:latin typeface="+mj-lt"/>
+              </a:rPr>
+              <a:t>Scrum</a:t>
+            </a:r>
+            <a:r>
+              <a:rPr lang="de-DE" sz="2000" dirty="0">
+                <a:solidFill>
+                  <a:schemeClr val="tx2"/>
+                </a:solidFill>
+                <a:latin typeface="+mj-lt"/>
+              </a:rPr>
+              <a:t> in jedem Projektteam. Synchronisation zwischen den Teams erfolgt grundsätzlich über die </a:t>
             </a:r>
             <a:r>
               <a:rPr lang="de-DE" sz="2000" dirty="0" err="1">
@@ -16480,7 +17445,7 @@
                 </a:solidFill>
                 <a:latin typeface="+mj-lt"/>
               </a:rPr>
-              <a:t>Die Kommunikation und der Datenaustausch zwischen den Clients und dem Server erfolgt über das HTTP/REST Protokoll. Die entsprechend notwendigen Schnittstellen wurden eigens ausgearbeitet.</a:t>
+              <a:t>Die Kommunikation und der Datenaustausch zwischen den Clients und dem Server erfolgt über das HTTP/REST Protokoll. Die entsprechend notwendigen Endpunkte wurden eigens ausgearbeitet.</a:t>
             </a:r>
           </a:p>
         </p:txBody>
@@ -16495,7 +17460,7 @@
         </p:nvSpPr>
         <p:spPr>
           <a:xfrm>
-            <a:off x="3048000" y="3860348"/>
+            <a:off x="3048000" y="3935849"/>
             <a:ext cx="7389204" cy="1015663"/>
           </a:xfrm>
           <a:prstGeom prst="rect">
@@ -16685,8 +17650,8 @@
         </p:nvSpPr>
         <p:spPr>
           <a:xfrm>
-            <a:off x="3048000" y="5345684"/>
-            <a:ext cx="7389204" cy="400110"/>
+            <a:off x="3048000" y="5328906"/>
+            <a:ext cx="7389204" cy="769441"/>
           </a:xfrm>
           <a:prstGeom prst="rect">
             <a:avLst/>
@@ -16854,7 +17819,102 @@
                 </a:solidFill>
                 <a:latin typeface="+mj-lt"/>
               </a:rPr>
-              <a:t>blablabla</a:t>
+              <a:t>Toolchain</a:t>
+            </a:r>
+            <a:r>
+              <a:rPr lang="de-DE" sz="2000" dirty="0">
+                <a:solidFill>
+                  <a:schemeClr val="tx2"/>
+                </a:solidFill>
+                <a:latin typeface="+mj-lt"/>
+              </a:rPr>
+              <a:t>: </a:t>
+            </a:r>
+            <a:r>
+              <a:rPr lang="de-DE" sz="2000" dirty="0" err="1">
+                <a:solidFill>
+                  <a:schemeClr val="tx2"/>
+                </a:solidFill>
+                <a:latin typeface="+mj-lt"/>
+              </a:rPr>
+              <a:t>AndroidStudio</a:t>
+            </a:r>
+            <a:r>
+              <a:rPr lang="de-DE" sz="2000" dirty="0">
+                <a:solidFill>
+                  <a:schemeClr val="tx2"/>
+                </a:solidFill>
+                <a:latin typeface="+mj-lt"/>
+              </a:rPr>
+              <a:t> (IDE), </a:t>
+            </a:r>
+            <a:r>
+              <a:rPr lang="de-DE" sz="2000" dirty="0" err="1">
+                <a:solidFill>
+                  <a:schemeClr val="tx2"/>
+                </a:solidFill>
+                <a:latin typeface="+mj-lt"/>
+              </a:rPr>
+              <a:t>Trello</a:t>
+            </a:r>
+            <a:r>
+              <a:rPr lang="de-DE" sz="2000" dirty="0">
+                <a:solidFill>
+                  <a:schemeClr val="tx2"/>
+                </a:solidFill>
+                <a:latin typeface="+mj-lt"/>
+              </a:rPr>
+              <a:t> (Projektmanagement), </a:t>
+            </a:r>
+          </a:p>
+          <a:p>
+            <a:pPr marL="0" indent="0">
+              <a:buNone/>
+            </a:pPr>
+            <a:r>
+              <a:rPr lang="de-DE" sz="2000" dirty="0">
+                <a:solidFill>
+                  <a:schemeClr val="tx2"/>
+                </a:solidFill>
+                <a:latin typeface="+mj-lt"/>
+              </a:rPr>
+              <a:t>	   </a:t>
+            </a:r>
+            <a:r>
+              <a:rPr lang="de-DE" sz="2000" dirty="0" err="1">
+                <a:solidFill>
+                  <a:schemeClr val="tx2"/>
+                </a:solidFill>
+                <a:latin typeface="+mj-lt"/>
+              </a:rPr>
+              <a:t>git</a:t>
+            </a:r>
+            <a:r>
+              <a:rPr lang="de-DE" sz="2000" dirty="0">
+                <a:solidFill>
+                  <a:schemeClr val="tx2"/>
+                </a:solidFill>
+                <a:latin typeface="+mj-lt"/>
+              </a:rPr>
+              <a:t> (Versionsverwaltung), </a:t>
+            </a:r>
+            <a:r>
+              <a:rPr lang="de-DE" sz="2000" dirty="0" err="1">
+                <a:solidFill>
+                  <a:schemeClr val="tx2"/>
+                </a:solidFill>
+                <a:latin typeface="+mj-lt"/>
+              </a:rPr>
+              <a:t>NinjaMock</a:t>
+            </a:r>
+            <a:r>
+              <a:rPr lang="de-DE" sz="2000" dirty="0">
+                <a:solidFill>
+                  <a:schemeClr val="tx2"/>
+                </a:solidFill>
+                <a:latin typeface="+mj-lt"/>
+              </a:rPr>
+              <a:t> (GUI Mockup)</a:t>
             </a:r>
             <a:endParaRPr lang="id-ID" sz="2000" dirty="0">
               <a:solidFill>
@@ -16887,7 +17947,7 @@
         </p:blipFill>
         <p:spPr>
           <a:xfrm>
-            <a:off x="1805511" y="1498989"/>
+            <a:off x="1805511" y="1415099"/>
             <a:ext cx="835537" cy="835537"/>
           </a:xfrm>
           <a:prstGeom prst="rect">
@@ -16911,7 +17971,7 @@
         </p:nvSpPr>
         <p:spPr bwMode="auto">
           <a:xfrm>
-            <a:off x="1754796" y="2719495"/>
+            <a:off x="1754796" y="2711106"/>
             <a:ext cx="926181" cy="838437"/>
           </a:xfrm>
           <a:custGeom>
@@ -17402,6 +18462,78 @@
           </a:p>
         </p:txBody>
       </p:sp>
+      <p:pic>
+        <p:nvPicPr>
+          <p:cNvPr id="8" name="Grafik 7">
+            <a:extLst>
+              <a:ext uri="{FF2B5EF4-FFF2-40B4-BE49-F238E27FC236}">
+                <a16:creationId xmlns:a16="http://schemas.microsoft.com/office/drawing/2014/main" id="{EEEEB68B-985F-4DD9-8634-DB8390B35447}"/>
+              </a:ext>
+            </a:extLst>
+          </p:cNvPr>
+          <p:cNvPicPr>
+            <a:picLocks noChangeAspect="1"/>
+          </p:cNvPicPr>
+          <p:nvPr/>
+        </p:nvPicPr>
+        <p:blipFill>
+          <a:blip r:embed="rId3" cstate="print">
+            <a:extLst>
+              <a:ext uri="{28A0092B-C50C-407E-A947-70E740481C1C}">
+                <a14:useLocalDpi xmlns:a14="http://schemas.microsoft.com/office/drawing/2010/main" val="0"/>
+              </a:ext>
+            </a:extLst>
+          </a:blip>
+          <a:stretch>
+            <a:fillRect/>
+          </a:stretch>
+        </p:blipFill>
+        <p:spPr>
+          <a:xfrm>
+            <a:off x="1771955" y="5288577"/>
+            <a:ext cx="926181" cy="926181"/>
+          </a:xfrm>
+          <a:prstGeom prst="rect">
+            <a:avLst/>
+          </a:prstGeom>
+        </p:spPr>
+      </p:pic>
+      <p:pic>
+        <p:nvPicPr>
+          <p:cNvPr id="15" name="Grafik 14">
+            <a:extLst>
+              <a:ext uri="{FF2B5EF4-FFF2-40B4-BE49-F238E27FC236}">
+                <a16:creationId xmlns:a16="http://schemas.microsoft.com/office/drawing/2014/main" id="{C1F27989-40FD-4A57-A5C0-C66471AD8BC6}"/>
+              </a:ext>
+            </a:extLst>
+          </p:cNvPr>
+          <p:cNvPicPr>
+            <a:picLocks noChangeAspect="1"/>
+          </p:cNvPicPr>
+          <p:nvPr/>
+        </p:nvPicPr>
+        <p:blipFill>
+          <a:blip r:embed="rId4">
+            <a:extLst>
+              <a:ext uri="{28A0092B-C50C-407E-A947-70E740481C1C}">
+                <a14:useLocalDpi xmlns:a14="http://schemas.microsoft.com/office/drawing/2010/main" val="0"/>
+              </a:ext>
+            </a:extLst>
+          </a:blip>
+          <a:stretch>
+            <a:fillRect/>
+          </a:stretch>
+        </p:blipFill>
+        <p:spPr>
+          <a:xfrm>
+            <a:off x="1754796" y="4010013"/>
+            <a:ext cx="926181" cy="926181"/>
+          </a:xfrm>
+          <a:prstGeom prst="rect">
+            <a:avLst/>
+          </a:prstGeom>
+        </p:spPr>
+      </p:pic>
     </p:spTree>
     <p:extLst>
       <p:ext uri="{BB962C8B-B14F-4D97-AF65-F5344CB8AC3E}">
@@ -20185,20 +21317,14 @@
             <a:lstStyle/>
             <a:p>
               <a:r>
-                <a:rPr lang="de-DE" sz="2400" dirty="0">
+                <a:rPr lang="en-US" sz="2400" dirty="0">
                   <a:solidFill>
                     <a:schemeClr val="tx2"/>
                   </a:solidFill>
                   <a:latin typeface="+mj-lt"/>
                 </a:rPr>
-                <a:t>4</a:t>
+                <a:t>5</a:t>
               </a:r>
-              <a:endParaRPr lang="en-US" sz="2400" dirty="0">
-                <a:solidFill>
-                  <a:schemeClr val="tx2"/>
-                </a:solidFill>
-                <a:latin typeface="+mj-lt"/>
-              </a:endParaRPr>
             </a:p>
           </p:txBody>
         </p:sp>
@@ -20959,7 +22085,7 @@
           <p:nvPr>
             <p:extLst>
               <p:ext uri="{D42A27DB-BD31-4B8C-83A1-F6EECF244321}">
-                <p14:modId xmlns:p14="http://schemas.microsoft.com/office/powerpoint/2010/main" val="743222628"/>
+                <p14:modId xmlns:p14="http://schemas.microsoft.com/office/powerpoint/2010/main" val="1079975921"/>
               </p:ext>
             </p:extLst>
           </p:nvPr>
@@ -21022,8 +22148,17 @@
               <a:rPr lang="de-DE" sz="1600" dirty="0">
                 <a:latin typeface="+mj-lt"/>
               </a:rPr>
-              <a:t>Erstellung externer REST Schnittstellen Dokumentation</a:t>
+              <a:t>REST Schnittstellen Dokumentation wurde erstellt und </a:t>
             </a:r>
+            <a:r>
+              <a:rPr lang="de-DE" sz="1600" dirty="0" err="1">
+                <a:latin typeface="+mj-lt"/>
+              </a:rPr>
+              <a:t>reviewed</a:t>
+            </a:r>
+            <a:endParaRPr lang="de-DE" sz="1600" dirty="0">
+              <a:latin typeface="+mj-lt"/>
+            </a:endParaRPr>
           </a:p>
           <a:p>
             <a:pPr marL="285750" indent="-285750">
@@ -21120,7 +22255,9 @@
               <a:buChar char="•"/>
             </a:pPr>
             <a:r>
-              <a:rPr lang="de-DE" sz="1600" dirty="0"/>
+              <a:rPr lang="de-DE" sz="1600" dirty="0">
+                <a:latin typeface="+mj-lt"/>
+              </a:rPr>
               <a:t>Kontinuierlicher Informationsaustausch (Team und Teamübergreifend)</a:t>
             </a:r>
           </a:p>
@@ -21216,12 +22353,11 @@
               <a:buChar char="•"/>
             </a:pPr>
             <a:r>
-              <a:rPr lang="de-DE" sz="1600" dirty="0"/>
+              <a:rPr lang="de-DE" sz="1600" dirty="0">
+                <a:latin typeface="+mj-lt"/>
+              </a:rPr>
               <a:t>Kontinuierlicher Informationsaustausch (Team und Teamübergreifend)</a:t>
             </a:r>
-            <a:endParaRPr lang="de-DE" sz="1600" dirty="0">
-              <a:latin typeface="+mj-lt"/>
-            </a:endParaRPr>
           </a:p>
           <a:p>
             <a:pPr marL="285750" indent="-285750">
@@ -21303,7 +22439,9 @@
               <a:buChar char="•"/>
             </a:pPr>
             <a:r>
-              <a:rPr lang="de-DE" sz="1600" dirty="0"/>
+              <a:rPr lang="de-DE" sz="1600" dirty="0">
+                <a:latin typeface="+mj-lt"/>
+              </a:rPr>
               <a:t>Kontinuierlicher Informationsaustausch (Team und Teamübergreifend)</a:t>
             </a:r>
           </a:p>

--- a/doc/Mobile/Präsentation/Präsentation.pptx
+++ b/doc/Mobile/Präsentation/Präsentation.pptx
@@ -4,8 +4,11 @@
   <p:sldMasterIdLst>
     <p:sldMasterId id="2147483648" r:id="rId1"/>
   </p:sldMasterIdLst>
+  <p:notesMasterIdLst>
+    <p:notesMasterId r:id="rId20"/>
+  </p:notesMasterIdLst>
   <p:handoutMasterIdLst>
-    <p:handoutMasterId r:id="rId20"/>
+    <p:handoutMasterId r:id="rId21"/>
   </p:handoutMasterIdLst>
   <p:sldIdLst>
     <p:sldId id="256" r:id="rId2"/>
@@ -4007,6 +4010,442 @@
 </p:handoutMaster>
 </file>
 
+<file path=ppt/notesMasters/notesMaster1.xml><?xml version="1.0" encoding="utf-8"?>
+<p:notesMaster xmlns:a="http://schemas.openxmlformats.org/drawingml/2006/main" xmlns:r="http://schemas.openxmlformats.org/officeDocument/2006/relationships" xmlns:p="http://schemas.openxmlformats.org/presentationml/2006/main">
+  <p:cSld>
+    <p:bg>
+      <p:bgRef idx="1001">
+        <a:schemeClr val="bg1"/>
+      </p:bgRef>
+    </p:bg>
+    <p:spTree>
+      <p:nvGrpSpPr>
+        <p:cNvPr id="1" name=""/>
+        <p:cNvGrpSpPr/>
+        <p:nvPr/>
+      </p:nvGrpSpPr>
+      <p:grpSpPr>
+        <a:xfrm>
+          <a:off x="0" y="0"/>
+          <a:ext cx="0" cy="0"/>
+          <a:chOff x="0" y="0"/>
+          <a:chExt cx="0" cy="0"/>
+        </a:xfrm>
+      </p:grpSpPr>
+      <p:sp>
+        <p:nvSpPr>
+          <p:cNvPr id="2" name="Kopfzeilenplatzhalter 1"/>
+          <p:cNvSpPr>
+            <a:spLocks noGrp="1"/>
+          </p:cNvSpPr>
+          <p:nvPr>
+            <p:ph type="hdr" sz="quarter"/>
+          </p:nvPr>
+        </p:nvSpPr>
+        <p:spPr>
+          <a:xfrm>
+            <a:off x="0" y="0"/>
+            <a:ext cx="2971800" cy="458788"/>
+          </a:xfrm>
+          <a:prstGeom prst="rect">
+            <a:avLst/>
+          </a:prstGeom>
+        </p:spPr>
+        <p:txBody>
+          <a:bodyPr vert="horz" lIns="91440" tIns="45720" rIns="91440" bIns="45720" rtlCol="0"/>
+          <a:lstStyle>
+            <a:lvl1pPr algn="l">
+              <a:defRPr sz="1200"/>
+            </a:lvl1pPr>
+          </a:lstStyle>
+          <a:p>
+            <a:endParaRPr lang="de-DE"/>
+          </a:p>
+        </p:txBody>
+      </p:sp>
+      <p:sp>
+        <p:nvSpPr>
+          <p:cNvPr id="3" name="Datumsplatzhalter 2"/>
+          <p:cNvSpPr>
+            <a:spLocks noGrp="1"/>
+          </p:cNvSpPr>
+          <p:nvPr>
+            <p:ph type="dt" idx="1"/>
+          </p:nvPr>
+        </p:nvSpPr>
+        <p:spPr>
+          <a:xfrm>
+            <a:off x="3884613" y="0"/>
+            <a:ext cx="2971800" cy="458788"/>
+          </a:xfrm>
+          <a:prstGeom prst="rect">
+            <a:avLst/>
+          </a:prstGeom>
+        </p:spPr>
+        <p:txBody>
+          <a:bodyPr vert="horz" lIns="91440" tIns="45720" rIns="91440" bIns="45720" rtlCol="0"/>
+          <a:lstStyle>
+            <a:lvl1pPr algn="r">
+              <a:defRPr sz="1200"/>
+            </a:lvl1pPr>
+          </a:lstStyle>
+          <a:p>
+            <a:fld id="{117222BA-FDFA-4035-A771-C0D07B858F37}" type="datetimeFigureOut">
+              <a:rPr lang="de-DE" smtClean="0"/>
+              <a:t>18.12.2019</a:t>
+            </a:fld>
+            <a:endParaRPr lang="de-DE"/>
+          </a:p>
+        </p:txBody>
+      </p:sp>
+      <p:sp>
+        <p:nvSpPr>
+          <p:cNvPr id="4" name="Folienbildplatzhalter 3"/>
+          <p:cNvSpPr>
+            <a:spLocks noGrp="1" noRot="1" noChangeAspect="1"/>
+          </p:cNvSpPr>
+          <p:nvPr>
+            <p:ph type="sldImg" idx="2"/>
+          </p:nvPr>
+        </p:nvSpPr>
+        <p:spPr>
+          <a:xfrm>
+            <a:off x="685800" y="1143000"/>
+            <a:ext cx="5486400" cy="3086100"/>
+          </a:xfrm>
+          <a:prstGeom prst="rect">
+            <a:avLst/>
+          </a:prstGeom>
+          <a:noFill/>
+          <a:ln w="12700">
+            <a:solidFill>
+              <a:prstClr val="black"/>
+            </a:solidFill>
+          </a:ln>
+        </p:spPr>
+        <p:txBody>
+          <a:bodyPr vert="horz" lIns="91440" tIns="45720" rIns="91440" bIns="45720" rtlCol="0" anchor="ctr"/>
+          <a:lstStyle/>
+          <a:p>
+            <a:endParaRPr lang="de-DE"/>
+          </a:p>
+        </p:txBody>
+      </p:sp>
+      <p:sp>
+        <p:nvSpPr>
+          <p:cNvPr id="5" name="Notizenplatzhalter 4"/>
+          <p:cNvSpPr>
+            <a:spLocks noGrp="1"/>
+          </p:cNvSpPr>
+          <p:nvPr>
+            <p:ph type="body" sz="quarter" idx="3"/>
+          </p:nvPr>
+        </p:nvSpPr>
+        <p:spPr>
+          <a:xfrm>
+            <a:off x="685800" y="4400550"/>
+            <a:ext cx="5486400" cy="3600450"/>
+          </a:xfrm>
+          <a:prstGeom prst="rect">
+            <a:avLst/>
+          </a:prstGeom>
+        </p:spPr>
+        <p:txBody>
+          <a:bodyPr vert="horz" lIns="91440" tIns="45720" rIns="91440" bIns="45720" rtlCol="0"/>
+          <a:lstStyle/>
+          <a:p>
+            <a:pPr lvl="0"/>
+            <a:r>
+              <a:rPr lang="de-DE"/>
+              <a:t>Mastertextformat bearbeiten</a:t>
+            </a:r>
+          </a:p>
+          <a:p>
+            <a:pPr lvl="1"/>
+            <a:r>
+              <a:rPr lang="de-DE"/>
+              <a:t>Zweite Ebene</a:t>
+            </a:r>
+          </a:p>
+          <a:p>
+            <a:pPr lvl="2"/>
+            <a:r>
+              <a:rPr lang="de-DE"/>
+              <a:t>Dritte Ebene</a:t>
+            </a:r>
+          </a:p>
+          <a:p>
+            <a:pPr lvl="3"/>
+            <a:r>
+              <a:rPr lang="de-DE"/>
+              <a:t>Vierte Ebene</a:t>
+            </a:r>
+          </a:p>
+          <a:p>
+            <a:pPr lvl="4"/>
+            <a:r>
+              <a:rPr lang="de-DE"/>
+              <a:t>Fünfte Ebene</a:t>
+            </a:r>
+          </a:p>
+        </p:txBody>
+      </p:sp>
+      <p:sp>
+        <p:nvSpPr>
+          <p:cNvPr id="6" name="Fußzeilenplatzhalter 5"/>
+          <p:cNvSpPr>
+            <a:spLocks noGrp="1"/>
+          </p:cNvSpPr>
+          <p:nvPr>
+            <p:ph type="ftr" sz="quarter" idx="4"/>
+          </p:nvPr>
+        </p:nvSpPr>
+        <p:spPr>
+          <a:xfrm>
+            <a:off x="0" y="8685213"/>
+            <a:ext cx="2971800" cy="458787"/>
+          </a:xfrm>
+          <a:prstGeom prst="rect">
+            <a:avLst/>
+          </a:prstGeom>
+        </p:spPr>
+        <p:txBody>
+          <a:bodyPr vert="horz" lIns="91440" tIns="45720" rIns="91440" bIns="45720" rtlCol="0" anchor="b"/>
+          <a:lstStyle>
+            <a:lvl1pPr algn="l">
+              <a:defRPr sz="1200"/>
+            </a:lvl1pPr>
+          </a:lstStyle>
+          <a:p>
+            <a:endParaRPr lang="de-DE"/>
+          </a:p>
+        </p:txBody>
+      </p:sp>
+      <p:sp>
+        <p:nvSpPr>
+          <p:cNvPr id="7" name="Foliennummernplatzhalter 6"/>
+          <p:cNvSpPr>
+            <a:spLocks noGrp="1"/>
+          </p:cNvSpPr>
+          <p:nvPr>
+            <p:ph type="sldNum" sz="quarter" idx="5"/>
+          </p:nvPr>
+        </p:nvSpPr>
+        <p:spPr>
+          <a:xfrm>
+            <a:off x="3884613" y="8685213"/>
+            <a:ext cx="2971800" cy="458787"/>
+          </a:xfrm>
+          <a:prstGeom prst="rect">
+            <a:avLst/>
+          </a:prstGeom>
+        </p:spPr>
+        <p:txBody>
+          <a:bodyPr vert="horz" lIns="91440" tIns="45720" rIns="91440" bIns="45720" rtlCol="0" anchor="b"/>
+          <a:lstStyle>
+            <a:lvl1pPr algn="r">
+              <a:defRPr sz="1200"/>
+            </a:lvl1pPr>
+          </a:lstStyle>
+          <a:p>
+            <a:fld id="{1532FF6A-D278-4D34-9D30-8CE66B49878E}" type="slidenum">
+              <a:rPr lang="de-DE" smtClean="0"/>
+              <a:t>‹Nr.›</a:t>
+            </a:fld>
+            <a:endParaRPr lang="de-DE"/>
+          </a:p>
+        </p:txBody>
+      </p:sp>
+    </p:spTree>
+    <p:extLst>
+      <p:ext uri="{BB962C8B-B14F-4D97-AF65-F5344CB8AC3E}">
+        <p14:creationId xmlns:p14="http://schemas.microsoft.com/office/powerpoint/2010/main" val="2576416173"/>
+      </p:ext>
+    </p:extLst>
+  </p:cSld>
+  <p:clrMap bg1="lt1" tx1="dk1" bg2="lt2" tx2="dk2" accent1="accent1" accent2="accent2" accent3="accent3" accent4="accent4" accent5="accent5" accent6="accent6" hlink="hlink" folHlink="folHlink"/>
+  <p:notesStyle>
+    <a:lvl1pPr marL="0" algn="l" defTabSz="914400" rtl="0" eaLnBrk="1" latinLnBrk="0" hangingPunct="1">
+      <a:defRPr sz="1200" kern="1200">
+        <a:solidFill>
+          <a:schemeClr val="tx1"/>
+        </a:solidFill>
+        <a:latin typeface="+mn-lt"/>
+        <a:ea typeface="+mn-ea"/>
+        <a:cs typeface="+mn-cs"/>
+      </a:defRPr>
+    </a:lvl1pPr>
+    <a:lvl2pPr marL="457200" algn="l" defTabSz="914400" rtl="0" eaLnBrk="1" latinLnBrk="0" hangingPunct="1">
+      <a:defRPr sz="1200" kern="1200">
+        <a:solidFill>
+          <a:schemeClr val="tx1"/>
+        </a:solidFill>
+        <a:latin typeface="+mn-lt"/>
+        <a:ea typeface="+mn-ea"/>
+        <a:cs typeface="+mn-cs"/>
+      </a:defRPr>
+    </a:lvl2pPr>
+    <a:lvl3pPr marL="914400" algn="l" defTabSz="914400" rtl="0" eaLnBrk="1" latinLnBrk="0" hangingPunct="1">
+      <a:defRPr sz="1200" kern="1200">
+        <a:solidFill>
+          <a:schemeClr val="tx1"/>
+        </a:solidFill>
+        <a:latin typeface="+mn-lt"/>
+        <a:ea typeface="+mn-ea"/>
+        <a:cs typeface="+mn-cs"/>
+      </a:defRPr>
+    </a:lvl3pPr>
+    <a:lvl4pPr marL="1371600" algn="l" defTabSz="914400" rtl="0" eaLnBrk="1" latinLnBrk="0" hangingPunct="1">
+      <a:defRPr sz="1200" kern="1200">
+        <a:solidFill>
+          <a:schemeClr val="tx1"/>
+        </a:solidFill>
+        <a:latin typeface="+mn-lt"/>
+        <a:ea typeface="+mn-ea"/>
+        <a:cs typeface="+mn-cs"/>
+      </a:defRPr>
+    </a:lvl4pPr>
+    <a:lvl5pPr marL="1828800" algn="l" defTabSz="914400" rtl="0" eaLnBrk="1" latinLnBrk="0" hangingPunct="1">
+      <a:defRPr sz="1200" kern="1200">
+        <a:solidFill>
+          <a:schemeClr val="tx1"/>
+        </a:solidFill>
+        <a:latin typeface="+mn-lt"/>
+        <a:ea typeface="+mn-ea"/>
+        <a:cs typeface="+mn-cs"/>
+      </a:defRPr>
+    </a:lvl5pPr>
+    <a:lvl6pPr marL="2286000" algn="l" defTabSz="914400" rtl="0" eaLnBrk="1" latinLnBrk="0" hangingPunct="1">
+      <a:defRPr sz="1200" kern="1200">
+        <a:solidFill>
+          <a:schemeClr val="tx1"/>
+        </a:solidFill>
+        <a:latin typeface="+mn-lt"/>
+        <a:ea typeface="+mn-ea"/>
+        <a:cs typeface="+mn-cs"/>
+      </a:defRPr>
+    </a:lvl6pPr>
+    <a:lvl7pPr marL="2743200" algn="l" defTabSz="914400" rtl="0" eaLnBrk="1" latinLnBrk="0" hangingPunct="1">
+      <a:defRPr sz="1200" kern="1200">
+        <a:solidFill>
+          <a:schemeClr val="tx1"/>
+        </a:solidFill>
+        <a:latin typeface="+mn-lt"/>
+        <a:ea typeface="+mn-ea"/>
+        <a:cs typeface="+mn-cs"/>
+      </a:defRPr>
+    </a:lvl7pPr>
+    <a:lvl8pPr marL="3200400" algn="l" defTabSz="914400" rtl="0" eaLnBrk="1" latinLnBrk="0" hangingPunct="1">
+      <a:defRPr sz="1200" kern="1200">
+        <a:solidFill>
+          <a:schemeClr val="tx1"/>
+        </a:solidFill>
+        <a:latin typeface="+mn-lt"/>
+        <a:ea typeface="+mn-ea"/>
+        <a:cs typeface="+mn-cs"/>
+      </a:defRPr>
+    </a:lvl8pPr>
+    <a:lvl9pPr marL="3657600" algn="l" defTabSz="914400" rtl="0" eaLnBrk="1" latinLnBrk="0" hangingPunct="1">
+      <a:defRPr sz="1200" kern="1200">
+        <a:solidFill>
+          <a:schemeClr val="tx1"/>
+        </a:solidFill>
+        <a:latin typeface="+mn-lt"/>
+        <a:ea typeface="+mn-ea"/>
+        <a:cs typeface="+mn-cs"/>
+      </a:defRPr>
+    </a:lvl9pPr>
+  </p:notesStyle>
+</p:notesMaster>
+</file>
+
+<file path=ppt/notesSlides/notesSlide1.xml><?xml version="1.0" encoding="utf-8"?>
+<p:notes xmlns:a="http://schemas.openxmlformats.org/drawingml/2006/main" xmlns:r="http://schemas.openxmlformats.org/officeDocument/2006/relationships" xmlns:p="http://schemas.openxmlformats.org/presentationml/2006/main">
+  <p:cSld>
+    <p:spTree>
+      <p:nvGrpSpPr>
+        <p:cNvPr id="1" name=""/>
+        <p:cNvGrpSpPr/>
+        <p:nvPr/>
+      </p:nvGrpSpPr>
+      <p:grpSpPr>
+        <a:xfrm>
+          <a:off x="0" y="0"/>
+          <a:ext cx="0" cy="0"/>
+          <a:chOff x="0" y="0"/>
+          <a:chExt cx="0" cy="0"/>
+        </a:xfrm>
+      </p:grpSpPr>
+      <p:sp>
+        <p:nvSpPr>
+          <p:cNvPr id="2" name="Folienbildplatzhalter 1"/>
+          <p:cNvSpPr>
+            <a:spLocks noGrp="1" noRot="1" noChangeAspect="1"/>
+          </p:cNvSpPr>
+          <p:nvPr>
+            <p:ph type="sldImg"/>
+          </p:nvPr>
+        </p:nvSpPr>
+        <p:spPr/>
+      </p:sp>
+      <p:sp>
+        <p:nvSpPr>
+          <p:cNvPr id="3" name="Notizenplatzhalter 2"/>
+          <p:cNvSpPr>
+            <a:spLocks noGrp="1"/>
+          </p:cNvSpPr>
+          <p:nvPr>
+            <p:ph type="body" idx="1"/>
+          </p:nvPr>
+        </p:nvSpPr>
+        <p:spPr/>
+        <p:txBody>
+          <a:bodyPr/>
+          <a:lstStyle/>
+          <a:p>
+            <a:r>
+              <a:rPr lang="de-DE" dirty="0"/>
+              <a:t>Kontrollfunktion</a:t>
+            </a:r>
+          </a:p>
+        </p:txBody>
+      </p:sp>
+      <p:sp>
+        <p:nvSpPr>
+          <p:cNvPr id="4" name="Foliennummernplatzhalter 3"/>
+          <p:cNvSpPr>
+            <a:spLocks noGrp="1"/>
+          </p:cNvSpPr>
+          <p:nvPr>
+            <p:ph type="sldNum" sz="quarter" idx="5"/>
+          </p:nvPr>
+        </p:nvSpPr>
+        <p:spPr/>
+        <p:txBody>
+          <a:bodyPr/>
+          <a:lstStyle/>
+          <a:p>
+            <a:fld id="{1532FF6A-D278-4D34-9D30-8CE66B49878E}" type="slidenum">
+              <a:rPr lang="de-DE" smtClean="0"/>
+              <a:t>4</a:t>
+            </a:fld>
+            <a:endParaRPr lang="de-DE"/>
+          </a:p>
+        </p:txBody>
+      </p:sp>
+    </p:spTree>
+    <p:extLst>
+      <p:ext uri="{BB962C8B-B14F-4D97-AF65-F5344CB8AC3E}">
+        <p14:creationId xmlns:p14="http://schemas.microsoft.com/office/powerpoint/2010/main" val="2508819407"/>
+      </p:ext>
+    </p:extLst>
+  </p:cSld>
+  <p:clrMapOvr>
+    <a:masterClrMapping/>
+  </p:clrMapOvr>
+</p:notes>
+</file>
+
 <file path=ppt/slideLayouts/slideLayout1.xml><?xml version="1.0" encoding="utf-8"?>
 <p:sldLayout xmlns:a="http://schemas.openxmlformats.org/drawingml/2006/main" xmlns:r="http://schemas.openxmlformats.org/officeDocument/2006/relationships" xmlns:p="http://schemas.openxmlformats.org/presentationml/2006/main" preserve="1" userDrawn="1">
   <p:cSld name="Custom Layout">
@@ -17934,7 +18373,7 @@
           <p:nvPr/>
         </p:nvPicPr>
         <p:blipFill>
-          <a:blip r:embed="rId2" cstate="print">
+          <a:blip r:embed="rId3" cstate="print">
             <a:extLst>
               <a:ext uri="{28A0092B-C50C-407E-A947-70E740481C1C}">
                 <a14:useLocalDpi xmlns:a14="http://schemas.microsoft.com/office/drawing/2010/main" val="0"/>
@@ -18477,7 +18916,7 @@
           <p:nvPr/>
         </p:nvPicPr>
         <p:blipFill>
-          <a:blip r:embed="rId3" cstate="print">
+          <a:blip r:embed="rId4" cstate="print">
             <a:extLst>
               <a:ext uri="{28A0092B-C50C-407E-A947-70E740481C1C}">
                 <a14:useLocalDpi xmlns:a14="http://schemas.microsoft.com/office/drawing/2010/main" val="0"/>
@@ -18513,7 +18952,7 @@
           <p:nvPr/>
         </p:nvPicPr>
         <p:blipFill>
-          <a:blip r:embed="rId4">
+          <a:blip r:embed="rId5">
             <a:extLst>
               <a:ext uri="{28A0092B-C50C-407E-A947-70E740481C1C}">
                 <a14:useLocalDpi xmlns:a14="http://schemas.microsoft.com/office/drawing/2010/main" val="0"/>
@@ -20236,6 +20675,36 @@
           <a:chExt cx="0" cy="0"/>
         </a:xfrm>
       </p:grpSpPr>
+      <p:pic>
+        <p:nvPicPr>
+          <p:cNvPr id="3" name="Grafik 2">
+            <a:extLst>
+              <a:ext uri="{FF2B5EF4-FFF2-40B4-BE49-F238E27FC236}">
+                <a16:creationId xmlns:a16="http://schemas.microsoft.com/office/drawing/2014/main" id="{958D1682-9704-41E3-8752-CE30E9141021}"/>
+              </a:ext>
+            </a:extLst>
+          </p:cNvPr>
+          <p:cNvPicPr>
+            <a:picLocks noChangeAspect="1"/>
+          </p:cNvPicPr>
+          <p:nvPr/>
+        </p:nvPicPr>
+        <p:blipFill>
+          <a:blip r:embed="rId2"/>
+          <a:stretch>
+            <a:fillRect/>
+          </a:stretch>
+        </p:blipFill>
+        <p:spPr>
+          <a:xfrm>
+            <a:off x="3537131" y="884020"/>
+            <a:ext cx="5117738" cy="5723075"/>
+          </a:xfrm>
+          <a:prstGeom prst="rect">
+            <a:avLst/>
+          </a:prstGeom>
+        </p:spPr>
+      </p:pic>
       <p:grpSp>
         <p:nvGrpSpPr>
           <p:cNvPr id="42" name="Group 41"/>
@@ -20394,36 +20863,6 @@
           </p:txBody>
         </p:sp>
       </p:grpSp>
-      <p:pic>
-        <p:nvPicPr>
-          <p:cNvPr id="6" name="Grafik 5">
-            <a:extLst>
-              <a:ext uri="{FF2B5EF4-FFF2-40B4-BE49-F238E27FC236}">
-                <a16:creationId xmlns:a16="http://schemas.microsoft.com/office/drawing/2014/main" id="{24BF87CC-E565-401C-AFD6-EC25F18C1DEF}"/>
-              </a:ext>
-            </a:extLst>
-          </p:cNvPr>
-          <p:cNvPicPr>
-            <a:picLocks noChangeAspect="1"/>
-          </p:cNvPicPr>
-          <p:nvPr/>
-        </p:nvPicPr>
-        <p:blipFill>
-          <a:blip r:embed="rId2"/>
-          <a:stretch>
-            <a:fillRect/>
-          </a:stretch>
-        </p:blipFill>
-        <p:spPr>
-          <a:xfrm>
-            <a:off x="3537131" y="890768"/>
-            <a:ext cx="5117738" cy="5719345"/>
-          </a:xfrm>
-          <a:prstGeom prst="rect">
-            <a:avLst/>
-          </a:prstGeom>
-        </p:spPr>
-      </p:pic>
     </p:spTree>
     <p:extLst>
       <p:ext uri="{BB962C8B-B14F-4D97-AF65-F5344CB8AC3E}">
@@ -22011,7 +22450,7 @@
                     </a:solidFill>
                     <a:latin typeface="+mj-lt"/>
                   </a:rPr>
-                  <a:t>Projektablauf</a:t>
+                  <a:t>Sprint-Highlights</a:t>
                 </a:r>
                 <a:endParaRPr lang="en-US" sz="1200" dirty="0">
                   <a:solidFill>
@@ -22085,13 +22524,13 @@
           <p:nvPr>
             <p:extLst>
               <p:ext uri="{D42A27DB-BD31-4B8C-83A1-F6EECF244321}">
-                <p14:modId xmlns:p14="http://schemas.microsoft.com/office/powerpoint/2010/main" val="1079975921"/>
+                <p14:modId xmlns:p14="http://schemas.microsoft.com/office/powerpoint/2010/main" val="1336157837"/>
               </p:ext>
             </p:extLst>
           </p:nvPr>
         </p:nvGraphicFramePr>
         <p:xfrm>
-          <a:off x="0" y="1075435"/>
+          <a:off x="-377505" y="1142547"/>
           <a:ext cx="7984971" cy="5409126"/>
         </p:xfrm>
         <a:graphic>
@@ -22114,8 +22553,8 @@
         </p:nvSpPr>
         <p:spPr>
           <a:xfrm>
-            <a:off x="2841077" y="1190602"/>
-            <a:ext cx="7459980" cy="1077218"/>
+            <a:off x="2354515" y="1250169"/>
+            <a:ext cx="9594204" cy="1015663"/>
           </a:xfrm>
           <a:prstGeom prst="rect">
             <a:avLst/>
@@ -22133,7 +22572,7 @@
               <a:buChar char="•"/>
             </a:pPr>
             <a:r>
-              <a:rPr lang="de-DE" sz="1600" dirty="0">
+              <a:rPr lang="de-DE" sz="2000" dirty="0">
                 <a:latin typeface="+mj-lt"/>
               </a:rPr>
               <a:t>Ausarbeiten der ersten groben Softwarearchitektur inklusive interner Schnittstellen</a:t>
@@ -22145,20 +22584,11 @@
               <a:buChar char="•"/>
             </a:pPr>
             <a:r>
-              <a:rPr lang="de-DE" sz="1600" dirty="0">
+              <a:rPr lang="de-DE" sz="2000" dirty="0">
                 <a:latin typeface="+mj-lt"/>
               </a:rPr>
-              <a:t>REST Schnittstellen Dokumentation wurde erstellt und </a:t>
+              <a:t>REST Schnittstellen Dokumentation wurde erstellt und akzeptiert</a:t>
             </a:r>
-            <a:r>
-              <a:rPr lang="de-DE" sz="1600" dirty="0" err="1">
-                <a:latin typeface="+mj-lt"/>
-              </a:rPr>
-              <a:t>reviewed</a:t>
-            </a:r>
-            <a:endParaRPr lang="de-DE" sz="1600" dirty="0">
-              <a:latin typeface="+mj-lt"/>
-            </a:endParaRPr>
           </a:p>
           <a:p>
             <a:pPr marL="285750" indent="-285750">
@@ -22166,22 +22596,10 @@
               <a:buChar char="•"/>
             </a:pPr>
             <a:r>
-              <a:rPr lang="de-DE" sz="1600" dirty="0">
+              <a:rPr lang="de-DE" sz="2000" dirty="0">
                 <a:latin typeface="+mj-lt"/>
               </a:rPr>
-              <a:t>Erstes GUI Mockup kreieren</a:t>
-            </a:r>
-          </a:p>
-          <a:p>
-            <a:pPr marL="285750" indent="-285750">
-              <a:buFont typeface="Arial" panose="020B0604020202020204" pitchFamily="34" charset="0"/>
-              <a:buChar char="•"/>
-            </a:pPr>
-            <a:r>
-              <a:rPr lang="de-DE" sz="1600" dirty="0">
-                <a:latin typeface="+mj-lt"/>
-              </a:rPr>
-              <a:t>Kontinuierlicher Informationsaustausch (Team und Teamübergreifend)</a:t>
+              <a:t>Erstes GUI Mockup kreiert</a:t>
             </a:r>
           </a:p>
         </p:txBody>
@@ -22200,8 +22618,8 @@
         </p:nvSpPr>
         <p:spPr>
           <a:xfrm>
-            <a:off x="4254981" y="2552219"/>
-            <a:ext cx="7459980" cy="1077218"/>
+            <a:off x="3877475" y="2607290"/>
+            <a:ext cx="8362063" cy="1015663"/>
           </a:xfrm>
           <a:prstGeom prst="rect">
             <a:avLst/>
@@ -22219,10 +22637,10 @@
               <a:buChar char="•"/>
             </a:pPr>
             <a:r>
-              <a:rPr lang="de-DE" sz="1600" dirty="0">
+              <a:rPr lang="de-DE" sz="2000" dirty="0">
                 <a:latin typeface="+mj-lt"/>
               </a:rPr>
-              <a:t>Grobe Entwicklung des REST API Wrappers und entsprechendem JSON Parser</a:t>
+              <a:t>Entwicklung des REST API Wrappers und entsprechendem JSON Parser</a:t>
             </a:r>
           </a:p>
           <a:p>
@@ -22231,10 +22649,10 @@
               <a:buChar char="•"/>
             </a:pPr>
             <a:r>
-              <a:rPr lang="de-DE" sz="1600" dirty="0">
+              <a:rPr lang="de-DE" sz="2000" dirty="0">
                 <a:latin typeface="+mj-lt"/>
               </a:rPr>
-              <a:t>Implementierung interner </a:t>
+              <a:t>Implementierung interner Kern Funktionalitäten</a:t>
             </a:r>
           </a:p>
           <a:p>
@@ -22243,22 +22661,10 @@
               <a:buChar char="•"/>
             </a:pPr>
             <a:r>
-              <a:rPr lang="de-DE" sz="1600" dirty="0">
+              <a:rPr lang="de-DE" sz="2000" dirty="0">
                 <a:latin typeface="+mj-lt"/>
               </a:rPr>
               <a:t>Implementierung des ersten GUI Designs</a:t>
-            </a:r>
-          </a:p>
-          <a:p>
-            <a:pPr marL="285750" indent="-285750">
-              <a:buFont typeface="Arial" panose="020B0604020202020204" pitchFamily="34" charset="0"/>
-              <a:buChar char="•"/>
-            </a:pPr>
-            <a:r>
-              <a:rPr lang="de-DE" sz="1600" dirty="0">
-                <a:latin typeface="+mj-lt"/>
-              </a:rPr>
-              <a:t>Kontinuierlicher Informationsaustausch (Team und Teamübergreifend)</a:t>
             </a:r>
           </a:p>
         </p:txBody>
@@ -22277,8 +22683,8 @@
         </p:nvSpPr>
         <p:spPr>
           <a:xfrm>
-            <a:off x="5676887" y="3904407"/>
-            <a:ext cx="7459980" cy="1323439"/>
+            <a:off x="5299382" y="3971519"/>
+            <a:ext cx="7459980" cy="1015663"/>
           </a:xfrm>
           <a:prstGeom prst="rect">
             <a:avLst/>
@@ -22296,22 +22702,10 @@
               <a:buChar char="•"/>
             </a:pPr>
             <a:r>
-              <a:rPr lang="de-DE" sz="1600" dirty="0">
+              <a:rPr lang="de-DE" sz="2000" dirty="0">
                 <a:latin typeface="+mj-lt"/>
               </a:rPr>
-              <a:t>Finalisierung des Net Core </a:t>
-            </a:r>
-            <a:r>
-              <a:rPr lang="de-DE" sz="1600" dirty="0" err="1">
-                <a:latin typeface="+mj-lt"/>
-              </a:rPr>
-              <a:t>Layers</a:t>
-            </a:r>
-            <a:r>
-              <a:rPr lang="de-DE" sz="1600" dirty="0">
-                <a:latin typeface="+mj-lt"/>
-              </a:rPr>
-              <a:t> und schreiben von Unit-Tests</a:t>
+              <a:t>Finalisierung des Net Cores und schreiben von Unit-Tests</a:t>
             </a:r>
           </a:p>
           <a:p>
@@ -22320,20 +22714,11 @@
               <a:buChar char="•"/>
             </a:pPr>
             <a:r>
-              <a:rPr lang="de-DE" sz="1600" dirty="0">
+              <a:rPr lang="de-DE" sz="2000" dirty="0">
                 <a:latin typeface="+mj-lt"/>
               </a:rPr>
-              <a:t>Ausbau des App Core </a:t>
+              <a:t>Zeitverlust durch Debugging</a:t>
             </a:r>
-            <a:r>
-              <a:rPr lang="de-DE" sz="1600" dirty="0" err="1">
-                <a:latin typeface="+mj-lt"/>
-              </a:rPr>
-              <a:t>Layers</a:t>
-            </a:r>
-            <a:endParaRPr lang="de-DE" sz="1600" dirty="0">
-              <a:latin typeface="+mj-lt"/>
-            </a:endParaRPr>
           </a:p>
           <a:p>
             <a:pPr marL="285750" indent="-285750">
@@ -22341,32 +22726,11 @@
               <a:buChar char="•"/>
             </a:pPr>
             <a:r>
-              <a:rPr lang="de-DE" sz="1600" dirty="0">
+              <a:rPr lang="de-DE" sz="2000" dirty="0">
                 <a:latin typeface="+mj-lt"/>
               </a:rPr>
-              <a:t>Erste Integrationstests</a:t>
+              <a:t>Erste erfolgreiche Integrationstests</a:t>
             </a:r>
-          </a:p>
-          <a:p>
-            <a:pPr marL="285750" indent="-285750">
-              <a:buFont typeface="Arial" panose="020B0604020202020204" pitchFamily="34" charset="0"/>
-              <a:buChar char="•"/>
-            </a:pPr>
-            <a:r>
-              <a:rPr lang="de-DE" sz="1600" dirty="0">
-                <a:latin typeface="+mj-lt"/>
-              </a:rPr>
-              <a:t>Kontinuierlicher Informationsaustausch (Team und Teamübergreifend)</a:t>
-            </a:r>
-          </a:p>
-          <a:p>
-            <a:pPr marL="285750" indent="-285750">
-              <a:buFont typeface="Arial" panose="020B0604020202020204" pitchFamily="34" charset="0"/>
-              <a:buChar char="•"/>
-            </a:pPr>
-            <a:endParaRPr lang="de-DE" sz="1600" dirty="0">
-              <a:latin typeface="+mj-lt"/>
-            </a:endParaRPr>
           </a:p>
         </p:txBody>
       </p:sp>
@@ -22384,8 +22748,8 @@
         </p:nvSpPr>
         <p:spPr>
           <a:xfrm>
-            <a:off x="7150581" y="5289729"/>
-            <a:ext cx="4958561" cy="1323439"/>
+            <a:off x="6775871" y="5368094"/>
+            <a:ext cx="5273515" cy="1015663"/>
           </a:xfrm>
           <a:prstGeom prst="rect">
             <a:avLst/>
@@ -22403,10 +22767,10 @@
               <a:buChar char="•"/>
             </a:pPr>
             <a:r>
-              <a:rPr lang="de-DE" sz="1600" dirty="0">
+              <a:rPr lang="de-DE" sz="2000" dirty="0">
                 <a:latin typeface="+mj-lt"/>
               </a:rPr>
-              <a:t>Fertigstellung der App Funktionalität und  Design</a:t>
+              <a:t>Fertigstellung der App </a:t>
             </a:r>
           </a:p>
           <a:p>
@@ -22415,10 +22779,10 @@
               <a:buChar char="•"/>
             </a:pPr>
             <a:r>
-              <a:rPr lang="de-DE" sz="1600" dirty="0">
+              <a:rPr lang="de-DE" sz="2000" dirty="0">
                 <a:latin typeface="+mj-lt"/>
               </a:rPr>
-              <a:t>Abgeschlossene Inbetriebnahme und Feldtests</a:t>
+              <a:t>Abgeschlossene Feldtests</a:t>
             </a:r>
           </a:p>
           <a:p>
@@ -22427,22 +22791,10 @@
               <a:buChar char="•"/>
             </a:pPr>
             <a:r>
-              <a:rPr lang="de-DE" sz="1600" dirty="0">
+              <a:rPr lang="de-DE" sz="2000" dirty="0">
                 <a:latin typeface="+mj-lt"/>
               </a:rPr>
               <a:t>Erweiterung der erstellten Dokumentation</a:t>
-            </a:r>
-          </a:p>
-          <a:p>
-            <a:pPr marL="285750" indent="-285750">
-              <a:buFont typeface="Arial" panose="020B0604020202020204" pitchFamily="34" charset="0"/>
-              <a:buChar char="•"/>
-            </a:pPr>
-            <a:r>
-              <a:rPr lang="de-DE" sz="1600" dirty="0">
-                <a:latin typeface="+mj-lt"/>
-              </a:rPr>
-              <a:t>Kontinuierlicher Informationsaustausch (Team und Teamübergreifend)</a:t>
             </a:r>
           </a:p>
         </p:txBody>
@@ -22725,6 +23077,301 @@
 </file>
 
 <file path=ppt/theme/theme2.xml><?xml version="1.0" encoding="utf-8"?>
+<a:theme xmlns:a="http://schemas.openxmlformats.org/drawingml/2006/main" name="Office">
+  <a:themeElements>
+    <a:clrScheme name="Office">
+      <a:dk1>
+        <a:sysClr val="windowText" lastClr="000000"/>
+      </a:dk1>
+      <a:lt1>
+        <a:sysClr val="window" lastClr="FFFFFF"/>
+      </a:lt1>
+      <a:dk2>
+        <a:srgbClr val="44546A"/>
+      </a:dk2>
+      <a:lt2>
+        <a:srgbClr val="E7E6E6"/>
+      </a:lt2>
+      <a:accent1>
+        <a:srgbClr val="4472C4"/>
+      </a:accent1>
+      <a:accent2>
+        <a:srgbClr val="ED7D31"/>
+      </a:accent2>
+      <a:accent3>
+        <a:srgbClr val="A5A5A5"/>
+      </a:accent3>
+      <a:accent4>
+        <a:srgbClr val="FFC000"/>
+      </a:accent4>
+      <a:accent5>
+        <a:srgbClr val="5B9BD5"/>
+      </a:accent5>
+      <a:accent6>
+        <a:srgbClr val="70AD47"/>
+      </a:accent6>
+      <a:hlink>
+        <a:srgbClr val="0563C1"/>
+      </a:hlink>
+      <a:folHlink>
+        <a:srgbClr val="954F72"/>
+      </a:folHlink>
+    </a:clrScheme>
+    <a:fontScheme name="Office">
+      <a:majorFont>
+        <a:latin typeface="Calibri Light" panose="020F0302020204030204"/>
+        <a:ea typeface=""/>
+        <a:cs typeface=""/>
+        <a:font script="Jpan" typeface="游ゴシック Light"/>
+        <a:font script="Hang" typeface="맑은 고딕"/>
+        <a:font script="Hans" typeface="等线 Light"/>
+        <a:font script="Hant" typeface="新細明體"/>
+        <a:font script="Arab" typeface="Times New Roman"/>
+        <a:font script="Hebr" typeface="Times New Roman"/>
+        <a:font script="Thai" typeface="Angsana New"/>
+        <a:font script="Ethi" typeface="Nyala"/>
+        <a:font script="Beng" typeface="Vrinda"/>
+        <a:font script="Gujr" typeface="Shruti"/>
+        <a:font script="Khmr" typeface="MoolBoran"/>
+        <a:font script="Knda" typeface="Tunga"/>
+        <a:font script="Guru" typeface="Raavi"/>
+        <a:font script="Cans" typeface="Euphemia"/>
+        <a:font script="Cher" typeface="Plantagenet Cherokee"/>
+        <a:font script="Yiii" typeface="Microsoft Yi Baiti"/>
+        <a:font script="Tibt" typeface="Microsoft Himalaya"/>
+        <a:font script="Thaa" typeface="MV Boli"/>
+        <a:font script="Deva" typeface="Mangal"/>
+        <a:font script="Telu" typeface="Gautami"/>
+        <a:font script="Taml" typeface="Latha"/>
+        <a:font script="Syrc" typeface="Estrangelo Edessa"/>
+        <a:font script="Orya" typeface="Kalinga"/>
+        <a:font script="Mlym" typeface="Kartika"/>
+        <a:font script="Laoo" typeface="DokChampa"/>
+        <a:font script="Sinh" typeface="Iskoola Pota"/>
+        <a:font script="Mong" typeface="Mongolian Baiti"/>
+        <a:font script="Viet" typeface="Times New Roman"/>
+        <a:font script="Uigh" typeface="Microsoft Uighur"/>
+        <a:font script="Geor" typeface="Sylfaen"/>
+        <a:font script="Armn" typeface="Arial"/>
+        <a:font script="Bugi" typeface="Leelawadee UI"/>
+        <a:font script="Bopo" typeface="Microsoft JhengHei"/>
+        <a:font script="Java" typeface="Javanese Text"/>
+        <a:font script="Lisu" typeface="Segoe UI"/>
+        <a:font script="Mymr" typeface="Myanmar Text"/>
+        <a:font script="Nkoo" typeface="Ebrima"/>
+        <a:font script="Olck" typeface="Nirmala UI"/>
+        <a:font script="Osma" typeface="Ebrima"/>
+        <a:font script="Phag" typeface="Phagspa"/>
+        <a:font script="Syrn" typeface="Estrangelo Edessa"/>
+        <a:font script="Syrj" typeface="Estrangelo Edessa"/>
+        <a:font script="Syre" typeface="Estrangelo Edessa"/>
+        <a:font script="Sora" typeface="Nirmala UI"/>
+        <a:font script="Tale" typeface="Microsoft Tai Le"/>
+        <a:font script="Talu" typeface="Microsoft New Tai Lue"/>
+        <a:font script="Tfng" typeface="Ebrima"/>
+      </a:majorFont>
+      <a:minorFont>
+        <a:latin typeface="Calibri" panose="020F0502020204030204"/>
+        <a:ea typeface=""/>
+        <a:cs typeface=""/>
+        <a:font script="Jpan" typeface="游ゴシック"/>
+        <a:font script="Hang" typeface="맑은 고딕"/>
+        <a:font script="Hans" typeface="等线"/>
+        <a:font script="Hant" typeface="新細明體"/>
+        <a:font script="Arab" typeface="Arial"/>
+        <a:font script="Hebr" typeface="Arial"/>
+        <a:font script="Thai" typeface="Cordia New"/>
+        <a:font script="Ethi" typeface="Nyala"/>
+        <a:font script="Beng" typeface="Vrinda"/>
+        <a:font script="Gujr" typeface="Shruti"/>
+        <a:font script="Khmr" typeface="DaunPenh"/>
+        <a:font script="Knda" typeface="Tunga"/>
+        <a:font script="Guru" typeface="Raavi"/>
+        <a:font script="Cans" typeface="Euphemia"/>
+        <a:font script="Cher" typeface="Plantagenet Cherokee"/>
+        <a:font script="Yiii" typeface="Microsoft Yi Baiti"/>
+        <a:font script="Tibt" typeface="Microsoft Himalaya"/>
+        <a:font script="Thaa" typeface="MV Boli"/>
+        <a:font script="Deva" typeface="Mangal"/>
+        <a:font script="Telu" typeface="Gautami"/>
+        <a:font script="Taml" typeface="Latha"/>
+        <a:font script="Syrc" typeface="Estrangelo Edessa"/>
+        <a:font script="Orya" typeface="Kalinga"/>
+        <a:font script="Mlym" typeface="Kartika"/>
+        <a:font script="Laoo" typeface="DokChampa"/>
+        <a:font script="Sinh" typeface="Iskoola Pota"/>
+        <a:font script="Mong" typeface="Mongolian Baiti"/>
+        <a:font script="Viet" typeface="Arial"/>
+        <a:font script="Uigh" typeface="Microsoft Uighur"/>
+        <a:font script="Geor" typeface="Sylfaen"/>
+        <a:font script="Armn" typeface="Arial"/>
+        <a:font script="Bugi" typeface="Leelawadee UI"/>
+        <a:font script="Bopo" typeface="Microsoft JhengHei"/>
+        <a:font script="Java" typeface="Javanese Text"/>
+        <a:font script="Lisu" typeface="Segoe UI"/>
+        <a:font script="Mymr" typeface="Myanmar Text"/>
+        <a:font script="Nkoo" typeface="Ebrima"/>
+        <a:font script="Olck" typeface="Nirmala UI"/>
+        <a:font script="Osma" typeface="Ebrima"/>
+        <a:font script="Phag" typeface="Phagspa"/>
+        <a:font script="Syrn" typeface="Estrangelo Edessa"/>
+        <a:font script="Syrj" typeface="Estrangelo Edessa"/>
+        <a:font script="Syre" typeface="Estrangelo Edessa"/>
+        <a:font script="Sora" typeface="Nirmala UI"/>
+        <a:font script="Tale" typeface="Microsoft Tai Le"/>
+        <a:font script="Talu" typeface="Microsoft New Tai Lue"/>
+        <a:font script="Tfng" typeface="Ebrima"/>
+      </a:minorFont>
+    </a:fontScheme>
+    <a:fmtScheme name="Office">
+      <a:fillStyleLst>
+        <a:solidFill>
+          <a:schemeClr val="phClr"/>
+        </a:solidFill>
+        <a:gradFill rotWithShape="1">
+          <a:gsLst>
+            <a:gs pos="0">
+              <a:schemeClr val="phClr">
+                <a:lumMod val="110000"/>
+                <a:satMod val="105000"/>
+                <a:tint val="67000"/>
+              </a:schemeClr>
+            </a:gs>
+            <a:gs pos="50000">
+              <a:schemeClr val="phClr">
+                <a:lumMod val="105000"/>
+                <a:satMod val="103000"/>
+                <a:tint val="73000"/>
+              </a:schemeClr>
+            </a:gs>
+            <a:gs pos="100000">
+              <a:schemeClr val="phClr">
+                <a:lumMod val="105000"/>
+                <a:satMod val="109000"/>
+                <a:tint val="81000"/>
+              </a:schemeClr>
+            </a:gs>
+          </a:gsLst>
+          <a:lin ang="5400000" scaled="0"/>
+        </a:gradFill>
+        <a:gradFill rotWithShape="1">
+          <a:gsLst>
+            <a:gs pos="0">
+              <a:schemeClr val="phClr">
+                <a:satMod val="103000"/>
+                <a:lumMod val="102000"/>
+                <a:tint val="94000"/>
+              </a:schemeClr>
+            </a:gs>
+            <a:gs pos="50000">
+              <a:schemeClr val="phClr">
+                <a:satMod val="110000"/>
+                <a:lumMod val="100000"/>
+                <a:shade val="100000"/>
+              </a:schemeClr>
+            </a:gs>
+            <a:gs pos="100000">
+              <a:schemeClr val="phClr">
+                <a:lumMod val="99000"/>
+                <a:satMod val="120000"/>
+                <a:shade val="78000"/>
+              </a:schemeClr>
+            </a:gs>
+          </a:gsLst>
+          <a:lin ang="5400000" scaled="0"/>
+        </a:gradFill>
+      </a:fillStyleLst>
+      <a:lnStyleLst>
+        <a:ln w="6350" cap="flat" cmpd="sng" algn="ctr">
+          <a:solidFill>
+            <a:schemeClr val="phClr"/>
+          </a:solidFill>
+          <a:prstDash val="solid"/>
+          <a:miter lim="800000"/>
+        </a:ln>
+        <a:ln w="12700" cap="flat" cmpd="sng" algn="ctr">
+          <a:solidFill>
+            <a:schemeClr val="phClr"/>
+          </a:solidFill>
+          <a:prstDash val="solid"/>
+          <a:miter lim="800000"/>
+        </a:ln>
+        <a:ln w="19050" cap="flat" cmpd="sng" algn="ctr">
+          <a:solidFill>
+            <a:schemeClr val="phClr"/>
+          </a:solidFill>
+          <a:prstDash val="solid"/>
+          <a:miter lim="800000"/>
+        </a:ln>
+      </a:lnStyleLst>
+      <a:effectStyleLst>
+        <a:effectStyle>
+          <a:effectLst/>
+        </a:effectStyle>
+        <a:effectStyle>
+          <a:effectLst/>
+        </a:effectStyle>
+        <a:effectStyle>
+          <a:effectLst>
+            <a:outerShdw blurRad="57150" dist="19050" dir="5400000" algn="ctr" rotWithShape="0">
+              <a:srgbClr val="000000">
+                <a:alpha val="63000"/>
+              </a:srgbClr>
+            </a:outerShdw>
+          </a:effectLst>
+        </a:effectStyle>
+      </a:effectStyleLst>
+      <a:bgFillStyleLst>
+        <a:solidFill>
+          <a:schemeClr val="phClr"/>
+        </a:solidFill>
+        <a:solidFill>
+          <a:schemeClr val="phClr">
+            <a:tint val="95000"/>
+            <a:satMod val="170000"/>
+          </a:schemeClr>
+        </a:solidFill>
+        <a:gradFill rotWithShape="1">
+          <a:gsLst>
+            <a:gs pos="0">
+              <a:schemeClr val="phClr">
+                <a:tint val="93000"/>
+                <a:satMod val="150000"/>
+                <a:shade val="98000"/>
+                <a:lumMod val="102000"/>
+              </a:schemeClr>
+            </a:gs>
+            <a:gs pos="50000">
+              <a:schemeClr val="phClr">
+                <a:tint val="98000"/>
+                <a:satMod val="130000"/>
+                <a:shade val="90000"/>
+                <a:lumMod val="103000"/>
+              </a:schemeClr>
+            </a:gs>
+            <a:gs pos="100000">
+              <a:schemeClr val="phClr">
+                <a:shade val="63000"/>
+                <a:satMod val="120000"/>
+              </a:schemeClr>
+            </a:gs>
+          </a:gsLst>
+          <a:lin ang="5400000" scaled="0"/>
+        </a:gradFill>
+      </a:bgFillStyleLst>
+    </a:fmtScheme>
+  </a:themeElements>
+  <a:objectDefaults/>
+  <a:extraClrSchemeLst/>
+  <a:extLst>
+    <a:ext uri="{05A4C25C-085E-4340-85A3-A5531E510DB2}">
+      <thm15:themeFamily xmlns:thm15="http://schemas.microsoft.com/office/thememl/2012/main" name="Office Theme" id="{62F939B6-93AF-4DB8-9C6B-D6C7DFDC589F}" vid="{4A3C46E8-61CC-4603-A589-7422A47A8E4A}"/>
+    </a:ext>
+  </a:extLst>
+</a:theme>
+</file>
+
+<file path=ppt/theme/theme3.xml><?xml version="1.0" encoding="utf-8"?>
 <a:theme xmlns:a="http://schemas.openxmlformats.org/drawingml/2006/main" name="Office Theme">
   <a:themeElements>
     <a:clrScheme name="Office">

--- a/doc/Mobile/Präsentation/Präsentation.pptx
+++ b/doc/Mobile/Präsentation/Präsentation.pptx
@@ -12440,10 +12440,10 @@
       </p:pic>
       <p:pic>
         <p:nvPicPr>
-          <p:cNvPr id="3" name="Grafik 2">
+          <p:cNvPr id="4" name="Grafik 3">
             <a:extLst>
               <a:ext uri="{FF2B5EF4-FFF2-40B4-BE49-F238E27FC236}">
-                <a16:creationId xmlns:a16="http://schemas.microsoft.com/office/drawing/2014/main" id="{667BC173-496F-4540-B9E2-AC836C3BDF27}"/>
+                <a16:creationId xmlns:a16="http://schemas.microsoft.com/office/drawing/2014/main" id="{62B57C9A-31E1-40B4-AB45-1DF5A2F46888}"/>
               </a:ext>
             </a:extLst>
           </p:cNvPr>

--- a/doc/Mobile/Präsentation/Präsentation.pptx
+++ b/doc/Mobile/Präsentation/Präsentation.pptx
@@ -1342,6 +1342,13 @@
         </dgm:presLayoutVars>
       </dgm:prSet>
       <dgm:spPr/>
+      <dgm:t>
+        <a:bodyPr/>
+        <a:lstStyle/>
+        <a:p>
+          <a:endParaRPr lang="de-DE"/>
+        </a:p>
+      </dgm:t>
     </dgm:pt>
     <dgm:pt modelId="{4B184BB2-4345-4DC5-9B5C-4C2DEE0328C3}" type="pres">
       <dgm:prSet presAssocID="{EFE9CE5C-524D-4CD0-8CBE-DE7563ACC7A9}" presName="composite" presStyleCnt="0"/>
@@ -1360,6 +1367,13 @@
         </dgm:presLayoutVars>
       </dgm:prSet>
       <dgm:spPr/>
+      <dgm:t>
+        <a:bodyPr/>
+        <a:lstStyle/>
+        <a:p>
+          <a:endParaRPr lang="de-DE"/>
+        </a:p>
+      </dgm:t>
     </dgm:pt>
     <dgm:pt modelId="{7DC05B4B-E378-4F7E-B3F7-56AFADD9DEAC}" type="pres">
       <dgm:prSet presAssocID="{EFE9CE5C-524D-4CD0-8CBE-DE7563ACC7A9}" presName="ChildText" presStyleLbl="revTx" presStyleIdx="0" presStyleCnt="3">
@@ -1392,6 +1406,13 @@
         </dgm:presLayoutVars>
       </dgm:prSet>
       <dgm:spPr/>
+      <dgm:t>
+        <a:bodyPr/>
+        <a:lstStyle/>
+        <a:p>
+          <a:endParaRPr lang="de-DE"/>
+        </a:p>
+      </dgm:t>
     </dgm:pt>
     <dgm:pt modelId="{20BD9F35-9CD4-403C-A596-E571FAAE3121}" type="pres">
       <dgm:prSet presAssocID="{4E540603-906B-459C-B1B1-12119CAAD4E8}" presName="ChildText" presStyleLbl="revTx" presStyleIdx="1" presStyleCnt="3">
@@ -1424,6 +1445,13 @@
         </dgm:presLayoutVars>
       </dgm:prSet>
       <dgm:spPr/>
+      <dgm:t>
+        <a:bodyPr/>
+        <a:lstStyle/>
+        <a:p>
+          <a:endParaRPr lang="de-DE"/>
+        </a:p>
+      </dgm:t>
     </dgm:pt>
     <dgm:pt modelId="{1B1E2EB6-7B89-4533-9F60-7972B4F0CE2D}" type="pres">
       <dgm:prSet presAssocID="{BBE01363-6B6A-4EF7-AAE5-3F4353336942}" presName="ChildText" presStyleLbl="revTx" presStyleIdx="2" presStyleCnt="3">
@@ -1452,18 +1480,25 @@
         </dgm:presLayoutVars>
       </dgm:prSet>
       <dgm:spPr/>
+      <dgm:t>
+        <a:bodyPr/>
+        <a:lstStyle/>
+        <a:p>
+          <a:endParaRPr lang="de-DE"/>
+        </a:p>
+      </dgm:t>
     </dgm:pt>
   </dgm:ptLst>
   <dgm:cxnLst>
-    <dgm:cxn modelId="{B9A19336-E8C8-423D-BE3F-D5DFDBE2402F}" srcId="{41C3FC53-99B2-4E7B-B66E-32AA69E8A873}" destId="{4B19A568-4C20-4681-A0A9-F657CBEE3349}" srcOrd="3" destOrd="0" parTransId="{FBF34F30-B64B-4237-948F-F935349153EB}" sibTransId="{B855D98E-CE6C-470A-959D-9B1A50F04A81}"/>
-    <dgm:cxn modelId="{2FBFD73D-72DA-47C2-8B8A-9DDE566A74F3}" type="presOf" srcId="{BBE01363-6B6A-4EF7-AAE5-3F4353336942}" destId="{A644870E-099F-440A-9376-311E7734D95B}" srcOrd="0" destOrd="0" presId="urn:microsoft.com/office/officeart/2005/8/layout/StepDownProcess"/>
-    <dgm:cxn modelId="{00789946-593E-435C-B0CE-24F7458A856B}" type="presOf" srcId="{EFE9CE5C-524D-4CD0-8CBE-DE7563ACC7A9}" destId="{41EE5A3D-0EB3-4C44-9555-9562A727D27E}" srcOrd="0" destOrd="0" presId="urn:microsoft.com/office/officeart/2005/8/layout/StepDownProcess"/>
     <dgm:cxn modelId="{4037A746-3377-4988-97A9-716B9A9F91E8}" srcId="{41C3FC53-99B2-4E7B-B66E-32AA69E8A873}" destId="{EFE9CE5C-524D-4CD0-8CBE-DE7563ACC7A9}" srcOrd="0" destOrd="0" parTransId="{464FD580-18BB-4B8E-A32C-083FAD47B8C3}" sibTransId="{8C9813E8-7D81-4F33-86E8-2045EE203270}"/>
     <dgm:cxn modelId="{DEDAF851-8DDD-41EC-99FC-169DE27AE54E}" type="presOf" srcId="{41C3FC53-99B2-4E7B-B66E-32AA69E8A873}" destId="{E8FC5B7E-11DE-454E-A714-BBF6C42C382A}" srcOrd="0" destOrd="0" presId="urn:microsoft.com/office/officeart/2005/8/layout/StepDownProcess"/>
-    <dgm:cxn modelId="{B79F9C96-BE08-4014-9369-A370B9643D7C}" type="presOf" srcId="{4B19A568-4C20-4681-A0A9-F657CBEE3349}" destId="{3E05FE32-73F4-429A-AF30-4914122F5C04}" srcOrd="0" destOrd="0" presId="urn:microsoft.com/office/officeart/2005/8/layout/StepDownProcess"/>
+    <dgm:cxn modelId="{2FBFD73D-72DA-47C2-8B8A-9DDE566A74F3}" type="presOf" srcId="{BBE01363-6B6A-4EF7-AAE5-3F4353336942}" destId="{A644870E-099F-440A-9376-311E7734D95B}" srcOrd="0" destOrd="0" presId="urn:microsoft.com/office/officeart/2005/8/layout/StepDownProcess"/>
     <dgm:cxn modelId="{E60412D2-7641-4140-8670-5BB856EFE173}" srcId="{41C3FC53-99B2-4E7B-B66E-32AA69E8A873}" destId="{4E540603-906B-459C-B1B1-12119CAAD4E8}" srcOrd="1" destOrd="0" parTransId="{718ED502-0E4F-4F3B-A83D-8906A8A18F15}" sibTransId="{9119964E-8719-44D8-BF69-266286C9BDAE}"/>
     <dgm:cxn modelId="{716C7DEA-B0D8-4E18-B010-EFD6415B5BEC}" type="presOf" srcId="{4E540603-906B-459C-B1B1-12119CAAD4E8}" destId="{88EB7124-356D-4E53-9DAA-2A8F6B74DC19}" srcOrd="0" destOrd="0" presId="urn:microsoft.com/office/officeart/2005/8/layout/StepDownProcess"/>
+    <dgm:cxn modelId="{00789946-593E-435C-B0CE-24F7458A856B}" type="presOf" srcId="{EFE9CE5C-524D-4CD0-8CBE-DE7563ACC7A9}" destId="{41EE5A3D-0EB3-4C44-9555-9562A727D27E}" srcOrd="0" destOrd="0" presId="urn:microsoft.com/office/officeart/2005/8/layout/StepDownProcess"/>
     <dgm:cxn modelId="{333BE2EB-E4C6-4704-BBD9-269C1F1E189F}" srcId="{41C3FC53-99B2-4E7B-B66E-32AA69E8A873}" destId="{BBE01363-6B6A-4EF7-AAE5-3F4353336942}" srcOrd="2" destOrd="0" parTransId="{86763ACF-0081-42B3-BCCA-E131C661A69F}" sibTransId="{2190CC90-3210-4137-B5EA-7928E4AF3B8B}"/>
+    <dgm:cxn modelId="{B79F9C96-BE08-4014-9369-A370B9643D7C}" type="presOf" srcId="{4B19A568-4C20-4681-A0A9-F657CBEE3349}" destId="{3E05FE32-73F4-429A-AF30-4914122F5C04}" srcOrd="0" destOrd="0" presId="urn:microsoft.com/office/officeart/2005/8/layout/StepDownProcess"/>
+    <dgm:cxn modelId="{B9A19336-E8C8-423D-BE3F-D5DFDBE2402F}" srcId="{41C3FC53-99B2-4E7B-B66E-32AA69E8A873}" destId="{4B19A568-4C20-4681-A0A9-F657CBEE3349}" srcOrd="3" destOrd="0" parTransId="{FBF34F30-B64B-4237-948F-F935349153EB}" sibTransId="{B855D98E-CE6C-470A-959D-9B1A50F04A81}"/>
     <dgm:cxn modelId="{26F0556B-4AB4-42F2-8EC5-80115FF69E65}" type="presParOf" srcId="{E8FC5B7E-11DE-454E-A714-BBF6C42C382A}" destId="{4B184BB2-4345-4DC5-9B5C-4C2DEE0328C3}" srcOrd="0" destOrd="0" presId="urn:microsoft.com/office/officeart/2005/8/layout/StepDownProcess"/>
     <dgm:cxn modelId="{EBDFFC5A-E7E9-4C62-8979-F9A35A9ECBFC}" type="presParOf" srcId="{4B184BB2-4345-4DC5-9B5C-4C2DEE0328C3}" destId="{EA6F7580-2839-4CA5-ACCE-570B2F8F4685}" srcOrd="0" destOrd="0" presId="urn:microsoft.com/office/officeart/2005/8/layout/StepDownProcess"/>
     <dgm:cxn modelId="{58E1F832-B458-48D9-ACB5-459B8EBF22ED}" type="presParOf" srcId="{4B184BB2-4345-4DC5-9B5C-4C2DEE0328C3}" destId="{41EE5A3D-0EB3-4C44-9555-9562A727D27E}" srcOrd="1" destOrd="0" presId="urn:microsoft.com/office/officeart/2005/8/layout/StepDownProcess"/>
@@ -1610,7 +1645,7 @@
         </a:bodyPr>
         <a:lstStyle/>
         <a:p>
-          <a:pPr marL="0" lvl="0" indent="0" algn="ctr" defTabSz="844550">
+          <a:pPr lvl="0" algn="ctr" defTabSz="844550">
             <a:lnSpc>
               <a:spcPct val="90000"/>
             </a:lnSpc>
@@ -1620,7 +1655,6 @@
             <a:spcAft>
               <a:spcPct val="35000"/>
             </a:spcAft>
-            <a:buNone/>
           </a:pPr>
           <a:r>
             <a:rPr lang="de-DE" sz="1900" b="1" kern="1200" dirty="0"/>
@@ -1628,7 +1662,7 @@
           </a:r>
         </a:p>
         <a:p>
-          <a:pPr marL="0" lvl="0" indent="0" algn="ctr" defTabSz="844550">
+          <a:pPr lvl="0" algn="ctr" defTabSz="844550">
             <a:lnSpc>
               <a:spcPct val="90000"/>
             </a:lnSpc>
@@ -1638,7 +1672,6 @@
             <a:spcAft>
               <a:spcPct val="35000"/>
             </a:spcAft>
-            <a:buNone/>
           </a:pPr>
           <a:r>
             <a:rPr lang="de-DE" sz="1900" kern="1200" dirty="0"/>
@@ -1793,7 +1826,7 @@
         </a:bodyPr>
         <a:lstStyle/>
         <a:p>
-          <a:pPr marL="0" lvl="0" indent="0" algn="ctr" defTabSz="844550">
+          <a:pPr lvl="0" algn="ctr" defTabSz="844550">
             <a:lnSpc>
               <a:spcPct val="90000"/>
             </a:lnSpc>
@@ -1803,7 +1836,6 @@
             <a:spcAft>
               <a:spcPct val="35000"/>
             </a:spcAft>
-            <a:buNone/>
           </a:pPr>
           <a:r>
             <a:rPr lang="de-DE" sz="1900" b="1" kern="1200" dirty="0"/>
@@ -1811,7 +1843,7 @@
           </a:r>
         </a:p>
         <a:p>
-          <a:pPr marL="0" lvl="0" indent="0" algn="ctr" defTabSz="844550">
+          <a:pPr lvl="0" algn="ctr" defTabSz="844550">
             <a:lnSpc>
               <a:spcPct val="90000"/>
             </a:lnSpc>
@@ -1821,7 +1853,6 @@
             <a:spcAft>
               <a:spcPct val="35000"/>
             </a:spcAft>
-            <a:buNone/>
           </a:pPr>
           <a:r>
             <a:rPr lang="de-DE" sz="1900" kern="1200" dirty="0"/>
@@ -1976,7 +2007,7 @@
         </a:bodyPr>
         <a:lstStyle/>
         <a:p>
-          <a:pPr marL="0" lvl="0" indent="0" algn="ctr" defTabSz="844550">
+          <a:pPr lvl="0" algn="ctr" defTabSz="844550">
             <a:lnSpc>
               <a:spcPct val="90000"/>
             </a:lnSpc>
@@ -1986,7 +2017,6 @@
             <a:spcAft>
               <a:spcPct val="35000"/>
             </a:spcAft>
-            <a:buNone/>
           </a:pPr>
           <a:r>
             <a:rPr lang="de-DE" sz="1900" b="1" kern="1200" dirty="0"/>
@@ -1994,7 +2024,7 @@
           </a:r>
         </a:p>
         <a:p>
-          <a:pPr marL="0" lvl="0" indent="0" algn="ctr" defTabSz="844550">
+          <a:pPr lvl="0" algn="ctr" defTabSz="844550">
             <a:lnSpc>
               <a:spcPct val="90000"/>
             </a:lnSpc>
@@ -2004,7 +2034,6 @@
             <a:spcAft>
               <a:spcPct val="35000"/>
             </a:spcAft>
-            <a:buNone/>
           </a:pPr>
           <a:r>
             <a:rPr lang="de-DE" sz="1900" kern="1200" dirty="0"/>
@@ -2106,7 +2135,7 @@
         </a:bodyPr>
         <a:lstStyle/>
         <a:p>
-          <a:pPr marL="0" lvl="0" indent="0" algn="ctr" defTabSz="844550">
+          <a:pPr lvl="0" algn="ctr" defTabSz="844550">
             <a:lnSpc>
               <a:spcPct val="90000"/>
             </a:lnSpc>
@@ -2116,7 +2145,6 @@
             <a:spcAft>
               <a:spcPct val="35000"/>
             </a:spcAft>
-            <a:buNone/>
           </a:pPr>
           <a:r>
             <a:rPr lang="de-DE" sz="1900" b="1" kern="1200" dirty="0"/>
@@ -2124,7 +2152,7 @@
           </a:r>
         </a:p>
         <a:p>
-          <a:pPr marL="0" lvl="0" indent="0" algn="ctr" defTabSz="844550">
+          <a:pPr lvl="0" algn="ctr" defTabSz="844550">
             <a:lnSpc>
               <a:spcPct val="90000"/>
             </a:lnSpc>
@@ -2134,7 +2162,6 @@
             <a:spcAft>
               <a:spcPct val="35000"/>
             </a:spcAft>
-            <a:buNone/>
           </a:pPr>
           <a:r>
             <a:rPr lang="de-DE" sz="1900" b="1" kern="1200" dirty="0"/>
@@ -10511,6 +10538,13 @@
   <p:clrMapOvr>
     <a:masterClrMapping/>
   </p:clrMapOvr>
+  <p:timing>
+    <p:tnLst>
+      <p:par>
+        <p:cTn id="1" dur="indefinite" restart="never" nodeType="tmRoot"/>
+      </p:par>
+    </p:tnLst>
+  </p:timing>
 </p:sld>
 </file>
 
@@ -10675,6 +10709,13 @@
   <p:transition>
     <p:push dir="u"/>
   </p:transition>
+  <p:timing>
+    <p:tnLst>
+      <p:par>
+        <p:cTn id="1" dur="indefinite" restart="never" nodeType="tmRoot"/>
+      </p:par>
+    </p:tnLst>
+  </p:timing>
 </p:sld>
 </file>
 
@@ -10774,7 +10815,7 @@
           <p:spPr>
             <a:xfrm>
               <a:off x="2865519" y="1767949"/>
-              <a:ext cx="2158219" cy="472604"/>
+              <a:ext cx="2158219" cy="222656"/>
             </a:xfrm>
             <a:prstGeom prst="rect">
               <a:avLst/>
@@ -10797,22 +10838,13 @@
                 <a:t>Screen </a:t>
               </a:r>
               <a:r>
-                <a:rPr lang="de-DE" sz="2400" dirty="0" err="1">
+                <a:rPr lang="de-DE" sz="2400" dirty="0" smtClean="0">
                   <a:solidFill>
                     <a:schemeClr val="accent1"/>
                   </a:solidFill>
                   <a:latin typeface="+mj-lt"/>
                 </a:rPr>
-                <a:t>Selection</a:t>
-              </a:r>
-              <a:r>
-                <a:rPr lang="de-DE" sz="2400" dirty="0">
-                  <a:solidFill>
-                    <a:schemeClr val="accent1"/>
-                  </a:solidFill>
-                  <a:latin typeface="+mj-lt"/>
-                </a:rPr>
-                <a:t> Bar</a:t>
+                <a:t>Auswahl</a:t>
               </a:r>
               <a:endParaRPr lang="id-ID" sz="2400" dirty="0">
                 <a:solidFill>
@@ -11256,6 +11288,13 @@
   <p:transition>
     <p:push dir="u"/>
   </p:transition>
+  <p:timing>
+    <p:tnLst>
+      <p:par>
+        <p:cTn id="1" dur="indefinite" restart="never" nodeType="tmRoot"/>
+      </p:par>
+    </p:tnLst>
+  </p:timing>
 </p:sld>
 </file>
 
@@ -11425,13 +11464,22 @@
             <a:lstStyle/>
             <a:p>
               <a:r>
-                <a:rPr lang="de-DE" sz="2400" dirty="0">
+                <a:rPr lang="de-DE" sz="2400" dirty="0" smtClean="0">
                   <a:solidFill>
                     <a:schemeClr val="accent1"/>
                   </a:solidFill>
                   <a:latin typeface="+mj-lt"/>
                 </a:rPr>
-                <a:t>Zurzeit abgespieltes Lied</a:t>
+                <a:t>Aktuelles </a:t>
+              </a:r>
+              <a:r>
+                <a:rPr lang="de-DE" sz="2400" dirty="0" smtClean="0">
+                  <a:solidFill>
+                    <a:schemeClr val="accent1"/>
+                  </a:solidFill>
+                  <a:latin typeface="+mj-lt"/>
+                </a:rPr>
+                <a:t>Lied</a:t>
               </a:r>
               <a:endParaRPr lang="id-ID" sz="2400" dirty="0">
                 <a:solidFill>
@@ -11587,12 +11635,12 @@
             <a:lstStyle/>
             <a:p>
               <a:r>
-                <a:rPr lang="de-DE" sz="2400" dirty="0">
+                <a:rPr lang="de-DE" sz="2400" dirty="0" smtClean="0">
                   <a:solidFill>
                     <a:schemeClr val="accent1"/>
                   </a:solidFill>
                 </a:rPr>
-                <a:t>Playliste</a:t>
+                <a:t>Wiedergabeliste</a:t>
               </a:r>
               <a:endParaRPr lang="en-US" sz="2400" dirty="0">
                 <a:solidFill>
@@ -11883,6 +11931,13 @@
   <p:transition>
     <p:push dir="u"/>
   </p:transition>
+  <p:timing>
+    <p:tnLst>
+      <p:par>
+        <p:cTn id="1" dur="indefinite" restart="never" nodeType="tmRoot"/>
+      </p:par>
+    </p:tnLst>
+  </p:timing>
 </p:sld>
 </file>
 
@@ -11988,10 +12043,10 @@
         </p:nvGrpSpPr>
         <p:grpSpPr>
           <a:xfrm>
-            <a:off x="427705" y="1927073"/>
-            <a:ext cx="9862189" cy="2013955"/>
-            <a:chOff x="2865519" y="1767949"/>
-            <a:chExt cx="3722583" cy="2061677"/>
+            <a:off x="427705" y="1931489"/>
+            <a:ext cx="9862189" cy="2009540"/>
+            <a:chOff x="2865519" y="1772469"/>
+            <a:chExt cx="3722583" cy="2057157"/>
           </a:xfrm>
         </p:grpSpPr>
         <p:sp>
@@ -12024,7 +12079,19 @@
                 <a:rPr lang="de-DE" sz="2400" dirty="0">
                   <a:latin typeface="+mj-lt"/>
                 </a:rPr>
-                <a:t>Texteingabefeld um nach Liednamen zu suchen</a:t>
+                <a:t>Texteingabefeld um nach </a:t>
+              </a:r>
+              <a:r>
+                <a:rPr lang="de-DE" sz="2400" dirty="0" smtClean="0">
+                  <a:latin typeface="+mj-lt"/>
+                </a:rPr>
+                <a:t>Lied </a:t>
+              </a:r>
+              <a:r>
+                <a:rPr lang="de-DE" sz="2400" dirty="0">
+                  <a:latin typeface="+mj-lt"/>
+                </a:rPr>
+                <a:t>zu suchen</a:t>
               </a:r>
             </a:p>
             <a:p>
@@ -12069,7 +12136,7 @@
           </p:nvSpPr>
           <p:spPr>
             <a:xfrm>
-              <a:off x="2865519" y="1767949"/>
+              <a:off x="2865519" y="1772469"/>
               <a:ext cx="2158219" cy="472604"/>
             </a:xfrm>
             <a:prstGeom prst="rect">
@@ -12084,13 +12151,13 @@
             <a:lstStyle/>
             <a:p>
               <a:r>
-                <a:rPr lang="de-DE" sz="2400" dirty="0">
+                <a:rPr lang="de-DE" sz="2400" dirty="0" smtClean="0">
                   <a:solidFill>
                     <a:schemeClr val="accent1"/>
                   </a:solidFill>
                   <a:latin typeface="+mj-lt"/>
                 </a:rPr>
-                <a:t>Search Bar</a:t>
+                <a:t>Suchfenster</a:t>
               </a:r>
               <a:endParaRPr lang="id-ID" sz="2400" dirty="0">
                 <a:solidFill>
@@ -12382,6 +12449,13 @@
   <p:transition>
     <p:push dir="u"/>
   </p:transition>
+  <p:timing>
+    <p:tnLst>
+      <p:par>
+        <p:cTn id="1" dur="indefinite" restart="never" nodeType="tmRoot"/>
+      </p:par>
+    </p:tnLst>
+  </p:timing>
 </p:sld>
 </file>
 
@@ -12683,7 +12757,25 @@
                   </a:solidFill>
                   <a:latin typeface="+mj-lt"/>
                 </a:rPr>
-                <a:t> der “ADD Server” Taste </a:t>
+                <a:t> der “ADD </a:t>
+              </a:r>
+              <a:r>
+                <a:rPr lang="en-US" sz="2400" dirty="0" smtClean="0">
+                  <a:solidFill>
+                    <a:schemeClr val="tx2"/>
+                  </a:solidFill>
+                  <a:latin typeface="+mj-lt"/>
+                </a:rPr>
+                <a:t>SERVER” </a:t>
+              </a:r>
+              <a:r>
+                <a:rPr lang="en-US" sz="2400" dirty="0">
+                  <a:solidFill>
+                    <a:schemeClr val="tx2"/>
+                  </a:solidFill>
+                  <a:latin typeface="+mj-lt"/>
+                </a:rPr>
+                <a:t>Taste </a:t>
               </a:r>
               <a:r>
                 <a:rPr lang="en-US" sz="2400" dirty="0" err="1">
@@ -17118,6 +17210,13 @@
   <p:transition>
     <p:push dir="u"/>
   </p:transition>
+  <p:timing>
+    <p:tnLst>
+      <p:par>
+        <p:cTn id="1" dur="indefinite" restart="never" nodeType="tmRoot"/>
+      </p:par>
+    </p:tnLst>
+  </p:timing>
 </p:sld>
 </file>
 
@@ -17283,6 +17382,13 @@
   <p:transition>
     <p:push dir="u"/>
   </p:transition>
+  <p:timing>
+    <p:tnLst>
+      <p:par>
+        <p:cTn id="1" dur="indefinite" restart="never" nodeType="tmRoot"/>
+      </p:par>
+    </p:tnLst>
+  </p:timing>
 </p:sld>
 </file>
 
@@ -18986,6 +19092,13 @@
   <p:transition>
     <p:push dir="u"/>
   </p:transition>
+  <p:timing>
+    <p:tnLst>
+      <p:par>
+        <p:cTn id="1" dur="indefinite" restart="never" nodeType="tmRoot"/>
+      </p:par>
+    </p:tnLst>
+  </p:timing>
 </p:sld>
 </file>
 
@@ -20655,6 +20768,13 @@
   <p:transition>
     <p:push dir="u"/>
   </p:transition>
+  <p:timing>
+    <p:tnLst>
+      <p:par>
+        <p:cTn id="1" dur="indefinite" restart="never" nodeType="tmRoot"/>
+      </p:par>
+    </p:tnLst>
+  </p:timing>
 </p:sld>
 </file>
 
@@ -20876,6 +20996,13 @@
   <p:transition>
     <p:push dir="u"/>
   </p:transition>
+  <p:timing>
+    <p:tnLst>
+      <p:par>
+        <p:cTn id="1" dur="indefinite" restart="never" nodeType="tmRoot"/>
+      </p:par>
+    </p:tnLst>
+  </p:timing>
 </p:sld>
 </file>
 
@@ -21116,6 +21243,13 @@
   <p:transition>
     <p:push dir="u"/>
   </p:transition>
+  <p:timing>
+    <p:tnLst>
+      <p:par>
+        <p:cTn id="1" dur="indefinite" restart="never" nodeType="tmRoot"/>
+      </p:par>
+    </p:tnLst>
+  </p:timing>
 </p:sld>
 </file>
 
@@ -22327,6 +22461,13 @@
   <p:transition>
     <p:push dir="u"/>
   </p:transition>
+  <p:timing>
+    <p:tnLst>
+      <p:par>
+        <p:cTn id="1" dur="indefinite" restart="never" nodeType="tmRoot"/>
+      </p:par>
+    </p:tnLst>
+  </p:timing>
 </p:sld>
 </file>
 
@@ -22812,6 +22953,13 @@
   <p:transition spd="slow">
     <p:push dir="u"/>
   </p:transition>
+  <p:timing>
+    <p:tnLst>
+      <p:par>
+        <p:cTn id="1" dur="indefinite" restart="never" nodeType="tmRoot"/>
+      </p:par>
+    </p:tnLst>
+  </p:timing>
 </p:sld>
 </file>
 
